--- a/concepts/HueTD_MainConcepts.pptx
+++ b/concepts/HueTD_MainConcepts.pptx
@@ -6,13 +6,17 @@
   </p:sldMasterIdLst>
   <p:sldIdLst>
     <p:sldId id="256" r:id="rId2"/>
-    <p:sldId id="257" r:id="rId3"/>
-    <p:sldId id="258" r:id="rId4"/>
-    <p:sldId id="264" r:id="rId5"/>
-    <p:sldId id="263" r:id="rId6"/>
-    <p:sldId id="262" r:id="rId7"/>
-    <p:sldId id="266" r:id="rId8"/>
-    <p:sldId id="265" r:id="rId9"/>
+    <p:sldId id="269" r:id="rId3"/>
+    <p:sldId id="270" r:id="rId4"/>
+    <p:sldId id="258" r:id="rId5"/>
+    <p:sldId id="267" r:id="rId6"/>
+    <p:sldId id="264" r:id="rId7"/>
+    <p:sldId id="263" r:id="rId8"/>
+    <p:sldId id="268" r:id="rId9"/>
+    <p:sldId id="262" r:id="rId10"/>
+    <p:sldId id="271" r:id="rId11"/>
+    <p:sldId id="266" r:id="rId12"/>
+    <p:sldId id="265" r:id="rId13"/>
   </p:sldIdLst>
   <p:sldSz cx="12192000" cy="6858000"/>
   <p:notesSz cx="6858000" cy="9144000"/>
@@ -3042,6 +3046,731 @@
 </p:sld>
 </file>
 
+<file path=ppt/slides/slide10.xml><?xml version="1.0" encoding="utf-8"?>
+<p:sld xmlns:a="http://schemas.openxmlformats.org/drawingml/2006/main" xmlns:r="http://schemas.openxmlformats.org/officeDocument/2006/relationships" xmlns:p="http://schemas.openxmlformats.org/presentationml/2006/main">
+  <p:cSld>
+    <p:spTree>
+      <p:nvGrpSpPr>
+        <p:cNvPr id="1" name=""/>
+        <p:cNvGrpSpPr/>
+        <p:nvPr/>
+      </p:nvGrpSpPr>
+      <p:grpSpPr>
+        <a:xfrm>
+          <a:off x="0" y="0"/>
+          <a:ext cx="0" cy="0"/>
+          <a:chOff x="0" y="0"/>
+          <a:chExt cx="0" cy="0"/>
+        </a:xfrm>
+      </p:grpSpPr>
+      <p:sp>
+        <p:nvSpPr>
+          <p:cNvPr id="2" name="Title 1"/>
+          <p:cNvSpPr>
+            <a:spLocks noGrp="1"/>
+          </p:cNvSpPr>
+          <p:nvPr>
+            <p:ph type="title"/>
+          </p:nvPr>
+        </p:nvSpPr>
+        <p:spPr/>
+        <p:txBody>
+          <a:bodyPr/>
+          <a:lstStyle/>
+          <a:p>
+            <a:r>
+              <a:rPr lang="en-US" altLang="ko-KR" dirty="0" smtClean="0">
+                <a:solidFill>
+                  <a:schemeClr val="bg1"/>
+                </a:solidFill>
+              </a:rPr>
+              <a:t>Game</a:t>
+            </a:r>
+            <a:r>
+              <a:rPr lang="en-US" altLang="ko-KR" dirty="0" smtClean="0">
+                <a:solidFill>
+                  <a:schemeClr val="bg1"/>
+                </a:solidFill>
+              </a:rPr>
+              <a:t> Play </a:t>
+            </a:r>
+            <a:r>
+              <a:rPr lang="ko-KR" altLang="en-US" dirty="0" smtClean="0">
+                <a:solidFill>
+                  <a:schemeClr val="bg1"/>
+                </a:solidFill>
+              </a:rPr>
+              <a:t>견적</a:t>
+            </a:r>
+            <a:r>
+              <a:rPr lang="en-US" altLang="ko-KR" dirty="0" smtClean="0">
+                <a:solidFill>
+                  <a:schemeClr val="bg1"/>
+                </a:solidFill>
+              </a:rPr>
+              <a:t> </a:t>
+            </a:r>
+            <a:endParaRPr lang="ko-KR" altLang="en-US" dirty="0">
+              <a:solidFill>
+                <a:schemeClr val="bg1"/>
+              </a:solidFill>
+            </a:endParaRPr>
+          </a:p>
+        </p:txBody>
+      </p:sp>
+      <p:sp>
+        <p:nvSpPr>
+          <p:cNvPr id="3" name="Content Placeholder 2"/>
+          <p:cNvSpPr>
+            <a:spLocks noGrp="1"/>
+          </p:cNvSpPr>
+          <p:nvPr>
+            <p:ph idx="1"/>
+          </p:nvPr>
+        </p:nvSpPr>
+        <p:spPr/>
+        <p:txBody>
+          <a:bodyPr/>
+          <a:lstStyle/>
+          <a:p>
+            <a:r>
+              <a:rPr lang="ko-KR" altLang="en-US" sz="2000" dirty="0" smtClean="0">
+                <a:solidFill>
+                  <a:schemeClr val="bg1"/>
+                </a:solidFill>
+              </a:rPr>
+              <a:t>한 게임은 </a:t>
+            </a:r>
+            <a:r>
+              <a:rPr lang="en-US" altLang="ko-KR" sz="2000" dirty="0" smtClean="0">
+                <a:solidFill>
+                  <a:schemeClr val="bg1"/>
+                </a:solidFill>
+              </a:rPr>
+              <a:t>30~50 </a:t>
+            </a:r>
+            <a:r>
+              <a:rPr lang="ko-KR" altLang="en-US" sz="2000" dirty="0" smtClean="0">
+                <a:solidFill>
+                  <a:schemeClr val="bg1"/>
+                </a:solidFill>
+              </a:rPr>
+              <a:t>스테이지로 구성</a:t>
+            </a:r>
+            <a:r>
+              <a:rPr lang="en-US" altLang="ko-KR" sz="2000" dirty="0" smtClean="0">
+                <a:solidFill>
+                  <a:schemeClr val="bg1"/>
+                </a:solidFill>
+              </a:rPr>
+              <a:t>.</a:t>
+            </a:r>
+          </a:p>
+          <a:p>
+            <a:endParaRPr lang="en-US" altLang="ko-KR" sz="2000" dirty="0">
+              <a:solidFill>
+                <a:schemeClr val="bg1"/>
+              </a:solidFill>
+            </a:endParaRPr>
+          </a:p>
+          <a:p>
+            <a:r>
+              <a:rPr lang="ko-KR" altLang="en-US" sz="2000" dirty="0" smtClean="0">
+                <a:solidFill>
+                  <a:schemeClr val="bg1"/>
+                </a:solidFill>
+              </a:rPr>
+              <a:t>게임이 끝날때까지 물감은 </a:t>
+            </a:r>
+            <a:r>
+              <a:rPr lang="en-US" altLang="ko-KR" sz="2000" dirty="0" smtClean="0">
+                <a:solidFill>
+                  <a:schemeClr val="bg1"/>
+                </a:solidFill>
+              </a:rPr>
+              <a:t>15</a:t>
+            </a:r>
+            <a:r>
+              <a:rPr lang="ko-KR" altLang="en-US" sz="2000" dirty="0" smtClean="0">
+                <a:solidFill>
+                  <a:schemeClr val="bg1"/>
+                </a:solidFill>
+              </a:rPr>
+              <a:t>개 내외로 얻게 조절한다</a:t>
+            </a:r>
+            <a:r>
+              <a:rPr lang="en-US" altLang="ko-KR" sz="2000" dirty="0" smtClean="0">
+                <a:solidFill>
+                  <a:schemeClr val="bg1"/>
+                </a:solidFill>
+              </a:rPr>
+              <a:t>. </a:t>
+            </a:r>
+          </a:p>
+          <a:p>
+            <a:pPr lvl="1"/>
+            <a:r>
+              <a:rPr lang="en-US" altLang="ko-KR" sz="1600" dirty="0" smtClean="0">
+                <a:solidFill>
+                  <a:schemeClr val="bg1"/>
+                </a:solidFill>
+              </a:rPr>
+              <a:t>Tier3 </a:t>
+            </a:r>
+            <a:r>
+              <a:rPr lang="ko-KR" altLang="en-US" sz="1600" dirty="0" smtClean="0">
+                <a:solidFill>
+                  <a:schemeClr val="bg1"/>
+                </a:solidFill>
+              </a:rPr>
+              <a:t>색타워 </a:t>
+            </a:r>
+            <a:r>
+              <a:rPr lang="en-US" altLang="ko-KR" sz="1600" dirty="0" smtClean="0">
+                <a:solidFill>
+                  <a:schemeClr val="bg1"/>
+                </a:solidFill>
+              </a:rPr>
+              <a:t>1</a:t>
+            </a:r>
+            <a:r>
+              <a:rPr lang="ko-KR" altLang="en-US" sz="1600" dirty="0" smtClean="0">
+                <a:solidFill>
+                  <a:schemeClr val="bg1"/>
+                </a:solidFill>
+              </a:rPr>
+              <a:t>개</a:t>
+            </a:r>
+            <a:r>
+              <a:rPr lang="en-US" altLang="ko-KR" sz="1600" dirty="0" smtClean="0">
+                <a:solidFill>
+                  <a:schemeClr val="bg1"/>
+                </a:solidFill>
+              </a:rPr>
+              <a:t>. </a:t>
+            </a:r>
+            <a:r>
+              <a:rPr lang="ko-KR" altLang="en-US" sz="1600" dirty="0" smtClean="0">
+                <a:solidFill>
+                  <a:schemeClr val="bg1"/>
+                </a:solidFill>
+              </a:rPr>
+              <a:t>작정하고 많아야 </a:t>
+            </a:r>
+            <a:r>
+              <a:rPr lang="en-US" altLang="ko-KR" sz="1600" dirty="0" smtClean="0">
+                <a:solidFill>
+                  <a:schemeClr val="bg1"/>
+                </a:solidFill>
+              </a:rPr>
+              <a:t>2</a:t>
+            </a:r>
+            <a:r>
+              <a:rPr lang="ko-KR" altLang="en-US" sz="1600" dirty="0" smtClean="0">
+                <a:solidFill>
+                  <a:schemeClr val="bg1"/>
+                </a:solidFill>
+              </a:rPr>
+              <a:t>개</a:t>
+            </a:r>
+            <a:r>
+              <a:rPr lang="en-US" altLang="ko-KR" sz="1600" dirty="0" smtClean="0">
+                <a:solidFill>
+                  <a:schemeClr val="bg1"/>
+                </a:solidFill>
+              </a:rPr>
+              <a:t>.</a:t>
+            </a:r>
+          </a:p>
+          <a:p>
+            <a:pPr lvl="1"/>
+            <a:r>
+              <a:rPr lang="en-US" altLang="ko-KR" sz="1600" dirty="0" smtClean="0">
+                <a:solidFill>
+                  <a:schemeClr val="bg1"/>
+                </a:solidFill>
+              </a:rPr>
+              <a:t>Tier2 </a:t>
+            </a:r>
+            <a:r>
+              <a:rPr lang="ko-KR" altLang="en-US" sz="1600" dirty="0" smtClean="0">
+                <a:solidFill>
+                  <a:schemeClr val="bg1"/>
+                </a:solidFill>
+              </a:rPr>
+              <a:t>색타워 </a:t>
+            </a:r>
+            <a:r>
+              <a:rPr lang="en-US" altLang="ko-KR" sz="1600" dirty="0" smtClean="0">
+                <a:solidFill>
+                  <a:schemeClr val="bg1"/>
+                </a:solidFill>
+              </a:rPr>
+              <a:t>3~5</a:t>
+            </a:r>
+            <a:r>
+              <a:rPr lang="ko-KR" altLang="en-US" sz="1600" dirty="0" smtClean="0">
+                <a:solidFill>
+                  <a:schemeClr val="bg1"/>
+                </a:solidFill>
+              </a:rPr>
+              <a:t>개</a:t>
+            </a:r>
+            <a:r>
+              <a:rPr lang="en-US" altLang="ko-KR" sz="1600" dirty="0" smtClean="0">
+                <a:solidFill>
+                  <a:schemeClr val="bg1"/>
+                </a:solidFill>
+              </a:rPr>
+              <a:t>.</a:t>
+            </a:r>
+          </a:p>
+          <a:p>
+            <a:pPr lvl="1"/>
+            <a:r>
+              <a:rPr lang="en-US" altLang="ko-KR" sz="1600" dirty="0" smtClean="0">
+                <a:solidFill>
+                  <a:schemeClr val="bg1"/>
+                </a:solidFill>
+              </a:rPr>
+              <a:t>Tier1 </a:t>
+            </a:r>
+            <a:r>
+              <a:rPr lang="ko-KR" altLang="en-US" sz="1600" dirty="0" smtClean="0">
+                <a:solidFill>
+                  <a:schemeClr val="bg1"/>
+                </a:solidFill>
+              </a:rPr>
+              <a:t>색타워 </a:t>
+            </a:r>
+            <a:r>
+              <a:rPr lang="en-US" altLang="ko-KR" sz="1600" dirty="0" smtClean="0">
+                <a:solidFill>
+                  <a:schemeClr val="bg1"/>
+                </a:solidFill>
+              </a:rPr>
+              <a:t>5~10</a:t>
+            </a:r>
+            <a:r>
+              <a:rPr lang="ko-KR" altLang="en-US" sz="1600" dirty="0" smtClean="0">
+                <a:solidFill>
+                  <a:schemeClr val="bg1"/>
+                </a:solidFill>
+              </a:rPr>
+              <a:t>개</a:t>
+            </a:r>
+            <a:r>
+              <a:rPr lang="en-US" altLang="ko-KR" sz="1600" dirty="0" smtClean="0">
+                <a:solidFill>
+                  <a:schemeClr val="bg1"/>
+                </a:solidFill>
+              </a:rPr>
+              <a:t>.</a:t>
+            </a:r>
+          </a:p>
+          <a:p>
+            <a:pPr lvl="1"/>
+            <a:r>
+              <a:rPr lang="ko-KR" altLang="en-US" sz="1600" dirty="0" smtClean="0">
+                <a:solidFill>
+                  <a:schemeClr val="bg1"/>
+                </a:solidFill>
+              </a:rPr>
+              <a:t>백색타워 </a:t>
+            </a:r>
+            <a:r>
+              <a:rPr lang="en-US" altLang="ko-KR" sz="1600" dirty="0" smtClean="0">
+                <a:solidFill>
+                  <a:schemeClr val="bg1"/>
+                </a:solidFill>
+              </a:rPr>
+              <a:t>20</a:t>
+            </a:r>
+            <a:r>
+              <a:rPr lang="ko-KR" altLang="en-US" sz="1600" dirty="0" smtClean="0">
+                <a:solidFill>
+                  <a:schemeClr val="bg1"/>
+                </a:solidFill>
+              </a:rPr>
+              <a:t>개</a:t>
+            </a:r>
+            <a:r>
+              <a:rPr lang="en-US" altLang="ko-KR" sz="1600" dirty="0" smtClean="0">
+                <a:solidFill>
+                  <a:schemeClr val="bg1"/>
+                </a:solidFill>
+              </a:rPr>
+              <a:t>~30</a:t>
+            </a:r>
+            <a:r>
+              <a:rPr lang="ko-KR" altLang="en-US" sz="1600" dirty="0" smtClean="0">
+                <a:solidFill>
+                  <a:schemeClr val="bg1"/>
+                </a:solidFill>
+              </a:rPr>
+              <a:t>개</a:t>
+            </a:r>
+            <a:r>
+              <a:rPr lang="en-US" altLang="ko-KR" sz="1600" dirty="0" smtClean="0">
+                <a:solidFill>
+                  <a:schemeClr val="bg1"/>
+                </a:solidFill>
+              </a:rPr>
+              <a:t>.</a:t>
+            </a:r>
+          </a:p>
+          <a:p>
+            <a:pPr lvl="1"/>
+            <a:endParaRPr lang="en-US" altLang="ko-KR" sz="1600" dirty="0" smtClean="0">
+              <a:solidFill>
+                <a:schemeClr val="bg1"/>
+              </a:solidFill>
+            </a:endParaRPr>
+          </a:p>
+          <a:p>
+            <a:r>
+              <a:rPr lang="ko-KR" altLang="en-US" sz="2000" dirty="0" smtClean="0">
+                <a:solidFill>
+                  <a:schemeClr val="bg1"/>
+                </a:solidFill>
+              </a:rPr>
+              <a:t>초반에 물감을 쉽게 모으는 플레이를 방지하도록 적군 스텟을 조절한다</a:t>
+            </a:r>
+            <a:r>
+              <a:rPr lang="en-US" altLang="ko-KR" sz="2000" dirty="0" smtClean="0">
+                <a:solidFill>
+                  <a:schemeClr val="bg1"/>
+                </a:solidFill>
+              </a:rPr>
+              <a:t>. </a:t>
+            </a:r>
+            <a:r>
+              <a:rPr lang="ko-KR" altLang="en-US" sz="2000" dirty="0" smtClean="0">
+                <a:solidFill>
+                  <a:schemeClr val="bg1"/>
+                </a:solidFill>
+              </a:rPr>
+              <a:t>즉</a:t>
+            </a:r>
+            <a:r>
+              <a:rPr lang="en-US" altLang="ko-KR" sz="2000" dirty="0" smtClean="0">
+                <a:solidFill>
+                  <a:schemeClr val="bg1"/>
+                </a:solidFill>
+              </a:rPr>
+              <a:t>, Tier1 </a:t>
+            </a:r>
+            <a:r>
+              <a:rPr lang="ko-KR" altLang="en-US" sz="2000" dirty="0" smtClean="0">
+                <a:solidFill>
+                  <a:schemeClr val="bg1"/>
+                </a:solidFill>
+              </a:rPr>
+              <a:t>색칠에 소홀하면 쉽게 뚫리도록</a:t>
+            </a:r>
+            <a:r>
+              <a:rPr lang="en-US" altLang="ko-KR" sz="2000" dirty="0" smtClean="0">
+                <a:solidFill>
+                  <a:schemeClr val="bg1"/>
+                </a:solidFill>
+              </a:rPr>
+              <a:t>.</a:t>
+            </a:r>
+            <a:endParaRPr lang="en-US" altLang="ko-KR" dirty="0">
+              <a:solidFill>
+                <a:schemeClr val="bg1"/>
+              </a:solidFill>
+            </a:endParaRPr>
+          </a:p>
+        </p:txBody>
+      </p:sp>
+    </p:spTree>
+    <p:extLst>
+      <p:ext uri="{BB962C8B-B14F-4D97-AF65-F5344CB8AC3E}">
+        <p14:creationId xmlns:p14="http://schemas.microsoft.com/office/powerpoint/2010/main" val="2504773617"/>
+      </p:ext>
+    </p:extLst>
+  </p:cSld>
+  <p:clrMapOvr>
+    <a:masterClrMapping/>
+  </p:clrMapOvr>
+</p:sld>
+</file>
+
+<file path=ppt/slides/slide11.xml><?xml version="1.0" encoding="utf-8"?>
+<p:sld xmlns:a="http://schemas.openxmlformats.org/drawingml/2006/main" xmlns:r="http://schemas.openxmlformats.org/officeDocument/2006/relationships" xmlns:p="http://schemas.openxmlformats.org/presentationml/2006/main">
+  <p:cSld>
+    <p:spTree>
+      <p:nvGrpSpPr>
+        <p:cNvPr id="1" name=""/>
+        <p:cNvGrpSpPr/>
+        <p:nvPr/>
+      </p:nvGrpSpPr>
+      <p:grpSpPr>
+        <a:xfrm>
+          <a:off x="0" y="0"/>
+          <a:ext cx="0" cy="0"/>
+          <a:chOff x="0" y="0"/>
+          <a:chExt cx="0" cy="0"/>
+        </a:xfrm>
+      </p:grpSpPr>
+      <p:sp>
+        <p:nvSpPr>
+          <p:cNvPr id="2" name="Title 1"/>
+          <p:cNvSpPr>
+            <a:spLocks noGrp="1"/>
+          </p:cNvSpPr>
+          <p:nvPr>
+            <p:ph type="title"/>
+          </p:nvPr>
+        </p:nvSpPr>
+        <p:spPr/>
+        <p:txBody>
+          <a:bodyPr/>
+          <a:lstStyle/>
+          <a:p>
+            <a:r>
+              <a:rPr lang="en-US" altLang="ko-KR" dirty="0" smtClean="0">
+                <a:solidFill>
+                  <a:schemeClr val="bg1"/>
+                </a:solidFill>
+              </a:rPr>
+              <a:t>Game System</a:t>
+            </a:r>
+            <a:endParaRPr lang="ko-KR" altLang="en-US" dirty="0">
+              <a:solidFill>
+                <a:schemeClr val="bg1"/>
+              </a:solidFill>
+            </a:endParaRPr>
+          </a:p>
+        </p:txBody>
+      </p:sp>
+      <p:sp>
+        <p:nvSpPr>
+          <p:cNvPr id="3" name="Content Placeholder 2"/>
+          <p:cNvSpPr>
+            <a:spLocks noGrp="1"/>
+          </p:cNvSpPr>
+          <p:nvPr>
+            <p:ph idx="1"/>
+          </p:nvPr>
+        </p:nvSpPr>
+        <p:spPr/>
+        <p:txBody>
+          <a:bodyPr/>
+          <a:lstStyle/>
+          <a:p>
+            <a:r>
+              <a:rPr lang="en-US" altLang="ko-KR" dirty="0" smtClean="0">
+                <a:solidFill>
+                  <a:schemeClr val="bg1"/>
+                </a:solidFill>
+              </a:rPr>
+              <a:t>Damage dealt = </a:t>
+            </a:r>
+            <a:r>
+              <a:rPr lang="en-US" altLang="ko-KR" dirty="0" err="1" smtClean="0">
+                <a:solidFill>
+                  <a:schemeClr val="bg1"/>
+                </a:solidFill>
+              </a:rPr>
+              <a:t>Atk</a:t>
+            </a:r>
+            <a:r>
+              <a:rPr lang="en-US" altLang="ko-KR" dirty="0" smtClean="0">
+                <a:solidFill>
+                  <a:schemeClr val="bg1"/>
+                </a:solidFill>
+              </a:rPr>
+              <a:t> – (Defense-Penetration)</a:t>
+            </a:r>
+          </a:p>
+          <a:p>
+            <a:pPr lvl="1"/>
+            <a:r>
+              <a:rPr lang="en-US" altLang="ko-KR" dirty="0" smtClean="0">
+                <a:solidFill>
+                  <a:schemeClr val="bg1"/>
+                </a:solidFill>
+              </a:rPr>
+              <a:t>Damage cannot be less then 1</a:t>
+            </a:r>
+          </a:p>
+          <a:p>
+            <a:pPr lvl="1"/>
+            <a:r>
+              <a:rPr lang="en-US" altLang="ko-KR" dirty="0" smtClean="0">
+                <a:solidFill>
+                  <a:schemeClr val="bg1"/>
+                </a:solidFill>
+              </a:rPr>
+              <a:t>Defense cannot be less then 0</a:t>
+            </a:r>
+          </a:p>
+          <a:p>
+            <a:pPr lvl="1"/>
+            <a:endParaRPr lang="en-US" altLang="ko-KR" dirty="0">
+              <a:solidFill>
+                <a:schemeClr val="bg1"/>
+              </a:solidFill>
+            </a:endParaRPr>
+          </a:p>
+          <a:p>
+            <a:endParaRPr lang="en-US" altLang="ko-KR" dirty="0">
+              <a:solidFill>
+                <a:schemeClr val="bg1"/>
+              </a:solidFill>
+            </a:endParaRPr>
+          </a:p>
+        </p:txBody>
+      </p:sp>
+    </p:spTree>
+    <p:extLst>
+      <p:ext uri="{BB962C8B-B14F-4D97-AF65-F5344CB8AC3E}">
+        <p14:creationId xmlns:p14="http://schemas.microsoft.com/office/powerpoint/2010/main" val="3669321361"/>
+      </p:ext>
+    </p:extLst>
+  </p:cSld>
+  <p:clrMapOvr>
+    <a:masterClrMapping/>
+  </p:clrMapOvr>
+</p:sld>
+</file>
+
+<file path=ppt/slides/slide12.xml><?xml version="1.0" encoding="utf-8"?>
+<p:sld xmlns:a="http://schemas.openxmlformats.org/drawingml/2006/main" xmlns:r="http://schemas.openxmlformats.org/officeDocument/2006/relationships" xmlns:p="http://schemas.openxmlformats.org/presentationml/2006/main">
+  <p:cSld>
+    <p:spTree>
+      <p:nvGrpSpPr>
+        <p:cNvPr id="1" name=""/>
+        <p:cNvGrpSpPr/>
+        <p:nvPr/>
+      </p:nvGrpSpPr>
+      <p:grpSpPr>
+        <a:xfrm>
+          <a:off x="0" y="0"/>
+          <a:ext cx="0" cy="0"/>
+          <a:chOff x="0" y="0"/>
+          <a:chExt cx="0" cy="0"/>
+        </a:xfrm>
+      </p:grpSpPr>
+      <p:sp>
+        <p:nvSpPr>
+          <p:cNvPr id="2" name="Title 1"/>
+          <p:cNvSpPr>
+            <a:spLocks noGrp="1"/>
+          </p:cNvSpPr>
+          <p:nvPr>
+            <p:ph type="title"/>
+          </p:nvPr>
+        </p:nvSpPr>
+        <p:spPr/>
+        <p:txBody>
+          <a:bodyPr/>
+          <a:lstStyle/>
+          <a:p>
+            <a:r>
+              <a:rPr lang="en-US" altLang="ko-KR" dirty="0" smtClean="0">
+                <a:solidFill>
+                  <a:schemeClr val="bg1"/>
+                </a:solidFill>
+              </a:rPr>
+              <a:t>Enemy</a:t>
+            </a:r>
+            <a:endParaRPr lang="ko-KR" altLang="en-US" dirty="0">
+              <a:solidFill>
+                <a:schemeClr val="bg1"/>
+              </a:solidFill>
+            </a:endParaRPr>
+          </a:p>
+        </p:txBody>
+      </p:sp>
+      <p:sp>
+        <p:nvSpPr>
+          <p:cNvPr id="3" name="Content Placeholder 2"/>
+          <p:cNvSpPr>
+            <a:spLocks noGrp="1"/>
+          </p:cNvSpPr>
+          <p:nvPr>
+            <p:ph idx="1"/>
+          </p:nvPr>
+        </p:nvSpPr>
+        <p:spPr/>
+        <p:txBody>
+          <a:bodyPr/>
+          <a:lstStyle/>
+          <a:p>
+            <a:r>
+              <a:rPr lang="en-US" altLang="ko-KR" dirty="0" smtClean="0">
+                <a:solidFill>
+                  <a:schemeClr val="bg1"/>
+                </a:solidFill>
+              </a:rPr>
+              <a:t>Stats</a:t>
+            </a:r>
+          </a:p>
+          <a:p>
+            <a:pPr lvl="1"/>
+            <a:r>
+              <a:rPr lang="en-US" altLang="ko-KR" dirty="0" smtClean="0">
+                <a:solidFill>
+                  <a:schemeClr val="bg1"/>
+                </a:solidFill>
+              </a:rPr>
+              <a:t>HP</a:t>
+            </a:r>
+          </a:p>
+          <a:p>
+            <a:pPr lvl="1"/>
+            <a:r>
+              <a:rPr lang="en-US" altLang="ko-KR" dirty="0" smtClean="0">
+                <a:solidFill>
+                  <a:schemeClr val="bg1"/>
+                </a:solidFill>
+              </a:rPr>
+              <a:t>Defense</a:t>
+            </a:r>
+          </a:p>
+          <a:p>
+            <a:pPr lvl="1"/>
+            <a:r>
+              <a:rPr lang="en-US" altLang="ko-KR" dirty="0" smtClean="0">
+                <a:solidFill>
+                  <a:schemeClr val="bg1"/>
+                </a:solidFill>
+              </a:rPr>
+              <a:t>Speed</a:t>
+            </a:r>
+          </a:p>
+          <a:p>
+            <a:endParaRPr lang="en-US" altLang="ko-KR" dirty="0">
+              <a:solidFill>
+                <a:schemeClr val="bg1"/>
+              </a:solidFill>
+            </a:endParaRPr>
+          </a:p>
+          <a:p>
+            <a:endParaRPr lang="en-US" altLang="ko-KR" dirty="0">
+              <a:solidFill>
+                <a:schemeClr val="bg1"/>
+              </a:solidFill>
+            </a:endParaRPr>
+          </a:p>
+        </p:txBody>
+      </p:sp>
+    </p:spTree>
+    <p:extLst>
+      <p:ext uri="{BB962C8B-B14F-4D97-AF65-F5344CB8AC3E}">
+        <p14:creationId xmlns:p14="http://schemas.microsoft.com/office/powerpoint/2010/main" val="3930730913"/>
+      </p:ext>
+    </p:extLst>
+  </p:cSld>
+  <p:clrMapOvr>
+    <a:masterClrMapping/>
+  </p:clrMapOvr>
+</p:sld>
+</file>
+
 <file path=ppt/slides/slide2.xml><?xml version="1.0" encoding="utf-8"?>
 <p:sld xmlns:a="http://schemas.openxmlformats.org/drawingml/2006/main" xmlns:r="http://schemas.openxmlformats.org/officeDocument/2006/relationships" xmlns:p="http://schemas.openxmlformats.org/presentationml/2006/main">
   <p:cSld>
@@ -3103,21 +3832,61 @@
         <p:spPr/>
         <p:txBody>
           <a:bodyPr>
-            <a:normAutofit/>
+            <a:normAutofit lnSpcReduction="10000"/>
           </a:bodyPr>
           <a:lstStyle/>
           <a:p>
             <a:r>
-              <a:rPr lang="en-US" altLang="ko-KR" sz="2400" dirty="0" smtClean="0">
-                <a:solidFill>
-                  <a:schemeClr val="bg1"/>
-                </a:solidFill>
-              </a:rPr>
-              <a:t>Player selects map and start from stage 1. (Like BTD5)</a:t>
-            </a:r>
-          </a:p>
-          <a:p>
-            <a:endParaRPr lang="en-US" altLang="ko-KR" sz="2400" dirty="0">
+              <a:rPr lang="ko-KR" altLang="en-US" sz="1800" dirty="0" smtClean="0">
+                <a:solidFill>
+                  <a:schemeClr val="bg1"/>
+                </a:solidFill>
+              </a:rPr>
+              <a:t>풍타디</a:t>
+            </a:r>
+            <a:r>
+              <a:rPr lang="en-US" altLang="ko-KR" sz="1800" dirty="0" smtClean="0">
+                <a:solidFill>
+                  <a:schemeClr val="bg1"/>
+                </a:solidFill>
+              </a:rPr>
+              <a:t>5 </a:t>
+            </a:r>
+            <a:r>
+              <a:rPr lang="ko-KR" altLang="en-US" sz="1800" dirty="0" smtClean="0">
+                <a:solidFill>
+                  <a:schemeClr val="bg1"/>
+                </a:solidFill>
+              </a:rPr>
+              <a:t>처럼 맵을 선택하고 스테이지</a:t>
+            </a:r>
+            <a:r>
+              <a:rPr lang="en-US" altLang="ko-KR" sz="1800" dirty="0" smtClean="0">
+                <a:solidFill>
+                  <a:schemeClr val="bg1"/>
+                </a:solidFill>
+              </a:rPr>
+              <a:t>1</a:t>
+            </a:r>
+            <a:r>
+              <a:rPr lang="ko-KR" altLang="en-US" sz="1800" dirty="0" smtClean="0">
+                <a:solidFill>
+                  <a:schemeClr val="bg1"/>
+                </a:solidFill>
+              </a:rPr>
+              <a:t>부터 시작</a:t>
+            </a:r>
+            <a:r>
+              <a:rPr lang="en-US" altLang="ko-KR" sz="1800" dirty="0" smtClean="0">
+                <a:solidFill>
+                  <a:schemeClr val="bg1"/>
+                </a:solidFill>
+              </a:rPr>
+              <a:t>.</a:t>
+            </a:r>
+          </a:p>
+          <a:p>
+            <a:endParaRPr lang="en-US" altLang="ko-KR" sz="1800" dirty="0" smtClean="0">
               <a:solidFill>
                 <a:schemeClr val="bg1"/>
               </a:solidFill>
@@ -3125,90 +3894,365 @@
           </a:p>
           <a:p>
             <a:r>
-              <a:rPr lang="en-US" altLang="ko-KR" sz="2400" dirty="0" smtClean="0">
-                <a:solidFill>
-                  <a:schemeClr val="bg1"/>
-                </a:solidFill>
-              </a:rPr>
-              <a:t>After few stages, player get one random essence (</a:t>
-            </a:r>
-            <a:r>
-              <a:rPr lang="en-US" altLang="ko-KR" sz="2400" b="1" dirty="0" smtClean="0">
-                <a:solidFill>
-                  <a:srgbClr val="FF0000"/>
-                </a:solidFill>
-              </a:rPr>
-              <a:t>R</a:t>
-            </a:r>
-            <a:r>
-              <a:rPr lang="en-US" altLang="ko-KR" sz="2400" b="1" dirty="0" smtClean="0">
-                <a:solidFill>
-                  <a:srgbClr val="66FF66"/>
-                </a:solidFill>
-              </a:rPr>
-              <a:t>G</a:t>
-            </a:r>
-            <a:r>
-              <a:rPr lang="en-US" altLang="ko-KR" sz="2400" b="1" dirty="0" smtClean="0">
-                <a:solidFill>
-                  <a:srgbClr val="0066FF"/>
-                </a:solidFill>
-              </a:rPr>
-              <a:t>B</a:t>
-            </a:r>
-            <a:r>
-              <a:rPr lang="en-US" altLang="ko-KR" sz="2400" dirty="0" smtClean="0">
-                <a:solidFill>
-                  <a:schemeClr val="bg1"/>
-                </a:solidFill>
-              </a:rPr>
-              <a:t>)</a:t>
-            </a:r>
-          </a:p>
-          <a:p>
-            <a:endParaRPr lang="en-US" altLang="ko-KR" sz="2400" dirty="0">
+              <a:rPr lang="ko-KR" altLang="en-US" sz="1800" dirty="0" smtClean="0">
+                <a:solidFill>
+                  <a:schemeClr val="bg1"/>
+                </a:solidFill>
+              </a:rPr>
+              <a:t>골드를 소모해 백색 타워를 짓는다</a:t>
+            </a:r>
+            <a:r>
+              <a:rPr lang="en-US" altLang="ko-KR" sz="1800" dirty="0" smtClean="0">
+                <a:solidFill>
+                  <a:schemeClr val="bg1"/>
+                </a:solidFill>
+              </a:rPr>
+              <a:t>. </a:t>
+            </a:r>
+            <a:r>
+              <a:rPr lang="ko-KR" altLang="en-US" sz="1800" dirty="0" smtClean="0">
+                <a:solidFill>
+                  <a:schemeClr val="bg1"/>
+                </a:solidFill>
+              </a:rPr>
+              <a:t>백색 타워는 기본공격을 하며</a:t>
+            </a:r>
+            <a:r>
+              <a:rPr lang="en-US" altLang="ko-KR" sz="1800" dirty="0" smtClean="0">
+                <a:solidFill>
+                  <a:schemeClr val="bg1"/>
+                </a:solidFill>
+              </a:rPr>
+              <a:t>, </a:t>
+            </a:r>
+            <a:r>
+              <a:rPr lang="ko-KR" altLang="en-US" sz="1800" dirty="0" smtClean="0">
+                <a:solidFill>
+                  <a:schemeClr val="bg1"/>
+                </a:solidFill>
+              </a:rPr>
+              <a:t>초반은 이거로 버틴다</a:t>
+            </a:r>
+            <a:r>
+              <a:rPr lang="en-US" altLang="ko-KR" sz="1800" dirty="0" smtClean="0">
+                <a:solidFill>
+                  <a:schemeClr val="bg1"/>
+                </a:solidFill>
+              </a:rPr>
+              <a:t>.</a:t>
+            </a:r>
+          </a:p>
+          <a:p>
+            <a:r>
+              <a:rPr lang="ko-KR" altLang="en-US" sz="1800" dirty="0" smtClean="0">
+                <a:solidFill>
+                  <a:schemeClr val="bg1"/>
+                </a:solidFill>
+              </a:rPr>
+              <a:t>백색 타워는 </a:t>
+            </a:r>
+            <a:r>
+              <a:rPr lang="en-US" altLang="ko-KR" sz="1800" dirty="0" smtClean="0">
+                <a:solidFill>
+                  <a:schemeClr val="bg1"/>
+                </a:solidFill>
+              </a:rPr>
+              <a:t>Tier1, 2, 3 </a:t>
+            </a:r>
+            <a:r>
+              <a:rPr lang="ko-KR" altLang="en-US" sz="1800" dirty="0" smtClean="0">
+                <a:solidFill>
+                  <a:schemeClr val="bg1"/>
+                </a:solidFill>
+              </a:rPr>
+              <a:t>이 있으며</a:t>
+            </a:r>
+            <a:r>
+              <a:rPr lang="en-US" altLang="ko-KR" sz="1800" dirty="0" smtClean="0">
+                <a:solidFill>
+                  <a:schemeClr val="bg1"/>
+                </a:solidFill>
+              </a:rPr>
+              <a:t>, </a:t>
+            </a:r>
+            <a:r>
+              <a:rPr lang="ko-KR" altLang="en-US" sz="1800" dirty="0" smtClean="0">
+                <a:solidFill>
+                  <a:schemeClr val="bg1"/>
+                </a:solidFill>
+              </a:rPr>
+              <a:t>골드로 업그레이드 가능</a:t>
+            </a:r>
+            <a:r>
+              <a:rPr lang="en-US" altLang="ko-KR" sz="1800" dirty="0" smtClean="0">
+                <a:solidFill>
+                  <a:schemeClr val="bg1"/>
+                </a:solidFill>
+              </a:rPr>
+              <a:t>.</a:t>
+            </a:r>
+            <a:endParaRPr lang="en-US" altLang="ko-KR" sz="1400" dirty="0" smtClean="0">
               <a:solidFill>
                 <a:schemeClr val="bg1"/>
               </a:solidFill>
             </a:endParaRPr>
           </a:p>
           <a:p>
-            <a:r>
-              <a:rPr lang="en-US" altLang="ko-KR" sz="2400" dirty="0" smtClean="0">
-                <a:solidFill>
-                  <a:schemeClr val="bg1"/>
-                </a:solidFill>
-              </a:rPr>
-              <a:t>Player earns gold by killing enemy.</a:t>
-            </a:r>
-          </a:p>
-          <a:p>
-            <a:endParaRPr lang="en-US" altLang="ko-KR" sz="2400" dirty="0" smtClean="0">
+            <a:pPr marL="0" indent="0">
+              <a:buNone/>
+            </a:pPr>
+            <a:endParaRPr lang="en-US" altLang="ko-KR" sz="1800" dirty="0">
               <a:solidFill>
                 <a:schemeClr val="bg1"/>
               </a:solidFill>
             </a:endParaRPr>
           </a:p>
           <a:p>
-            <a:endParaRPr lang="en-US" altLang="ko-KR" sz="2400" dirty="0">
+            <a:r>
+              <a:rPr lang="ko-KR" altLang="en-US" sz="1800" dirty="0">
+                <a:solidFill>
+                  <a:schemeClr val="bg1"/>
+                </a:solidFill>
+              </a:rPr>
+              <a:t>몬스터를 죽일 때마다 </a:t>
+            </a:r>
+            <a:r>
+              <a:rPr lang="en-US" altLang="ko-KR" sz="1800" dirty="0">
+                <a:solidFill>
+                  <a:schemeClr val="bg1"/>
+                </a:solidFill>
+              </a:rPr>
+              <a:t>X </a:t>
+            </a:r>
+            <a:r>
+              <a:rPr lang="ko-KR" altLang="en-US" sz="1800" dirty="0">
+                <a:solidFill>
+                  <a:schemeClr val="bg1"/>
+                </a:solidFill>
+              </a:rPr>
+              <a:t>골드를 얻는다</a:t>
+            </a:r>
+            <a:r>
+              <a:rPr lang="en-US" altLang="ko-KR" sz="1800" dirty="0">
+                <a:solidFill>
+                  <a:schemeClr val="bg1"/>
+                </a:solidFill>
+              </a:rPr>
+              <a:t>.</a:t>
+            </a:r>
+          </a:p>
+          <a:p>
+            <a:pPr marL="0" indent="0">
+              <a:buNone/>
+            </a:pPr>
+            <a:endParaRPr lang="en-US" altLang="ko-KR" sz="1800" dirty="0">
               <a:solidFill>
                 <a:schemeClr val="bg1"/>
               </a:solidFill>
             </a:endParaRPr>
           </a:p>
           <a:p>
-            <a:endParaRPr lang="ko-KR" altLang="en-US" sz="2400" dirty="0">
+            <a:r>
+              <a:rPr lang="en-US" altLang="ko-KR" sz="1800" dirty="0" smtClean="0">
+                <a:solidFill>
+                  <a:schemeClr val="bg1"/>
+                </a:solidFill>
+              </a:rPr>
+              <a:t>X</a:t>
+            </a:r>
+            <a:r>
+              <a:rPr lang="ko-KR" altLang="en-US" sz="1800" dirty="0">
+                <a:solidFill>
+                  <a:schemeClr val="bg1"/>
+                </a:solidFill>
+              </a:rPr>
+              <a:t> </a:t>
+            </a:r>
+            <a:r>
+              <a:rPr lang="ko-KR" altLang="en-US" sz="1800" dirty="0" smtClean="0">
+                <a:solidFill>
+                  <a:schemeClr val="bg1"/>
+                </a:solidFill>
+              </a:rPr>
+              <a:t>스테이지마다 하나의 </a:t>
+            </a:r>
+            <a:r>
+              <a:rPr lang="en-US" altLang="ko-KR" sz="1800" dirty="0" smtClean="0">
+                <a:solidFill>
+                  <a:schemeClr val="bg1"/>
+                </a:solidFill>
+              </a:rPr>
+              <a:t>Tier1 </a:t>
+            </a:r>
+            <a:r>
+              <a:rPr lang="ko-KR" altLang="en-US" sz="1800" dirty="0" smtClean="0">
+                <a:solidFill>
+                  <a:schemeClr val="bg1"/>
+                </a:solidFill>
+              </a:rPr>
+              <a:t>물감을 얻는다</a:t>
+            </a:r>
+            <a:r>
+              <a:rPr lang="en-US" altLang="ko-KR" sz="1800" dirty="0" smtClean="0">
+                <a:solidFill>
+                  <a:schemeClr val="bg1"/>
+                </a:solidFill>
+              </a:rPr>
+              <a:t>.</a:t>
+            </a:r>
+            <a:endParaRPr lang="en-US" altLang="ko-KR" sz="1800" dirty="0" smtClean="0">
               <a:solidFill>
                 <a:schemeClr val="bg1"/>
               </a:solidFill>
             </a:endParaRPr>
           </a:p>
+          <a:p>
+            <a:endParaRPr lang="en-US" altLang="ko-KR" sz="1800" dirty="0" smtClean="0">
+              <a:solidFill>
+                <a:schemeClr val="bg1"/>
+              </a:solidFill>
+            </a:endParaRPr>
+          </a:p>
+          <a:p>
+            <a:r>
+              <a:rPr lang="en-US" altLang="ko-KR" sz="1800" dirty="0" smtClean="0">
+                <a:solidFill>
+                  <a:schemeClr val="bg1"/>
+                </a:solidFill>
+              </a:rPr>
+              <a:t>Tier1 </a:t>
+            </a:r>
+            <a:r>
+              <a:rPr lang="ko-KR" altLang="en-US" sz="1800" dirty="0" smtClean="0">
+                <a:solidFill>
+                  <a:schemeClr val="bg1"/>
+                </a:solidFill>
+              </a:rPr>
+              <a:t>물감을 </a:t>
+            </a:r>
+            <a:r>
+              <a:rPr lang="en-US" altLang="ko-KR" sz="1800" dirty="0" smtClean="0">
+                <a:solidFill>
+                  <a:schemeClr val="bg1"/>
+                </a:solidFill>
+              </a:rPr>
+              <a:t>Tier1 </a:t>
+            </a:r>
+            <a:r>
+              <a:rPr lang="ko-KR" altLang="en-US" sz="1800" dirty="0" smtClean="0">
+                <a:solidFill>
+                  <a:schemeClr val="bg1"/>
+                </a:solidFill>
+              </a:rPr>
+              <a:t>백색 타워에 칠하면 공격에 특별한 속성이 부여된다</a:t>
+            </a:r>
+            <a:r>
+              <a:rPr lang="en-US" altLang="ko-KR" sz="1800" dirty="0" smtClean="0">
+                <a:solidFill>
+                  <a:schemeClr val="bg1"/>
+                </a:solidFill>
+              </a:rPr>
+              <a:t>. </a:t>
+            </a:r>
+          </a:p>
+          <a:p>
+            <a:r>
+              <a:rPr lang="ko-KR" altLang="en-US" sz="1800" dirty="0" smtClean="0">
+                <a:solidFill>
+                  <a:schemeClr val="bg1"/>
+                </a:solidFill>
+              </a:rPr>
+              <a:t>혹은 </a:t>
+            </a:r>
+            <a:r>
+              <a:rPr lang="en-US" altLang="ko-KR" sz="1800" dirty="0" smtClean="0">
+                <a:solidFill>
+                  <a:schemeClr val="bg1"/>
+                </a:solidFill>
+              </a:rPr>
+              <a:t>Tier1 </a:t>
+            </a:r>
+            <a:r>
+              <a:rPr lang="ko-KR" altLang="en-US" sz="1800" dirty="0" smtClean="0">
+                <a:solidFill>
+                  <a:schemeClr val="bg1"/>
+                </a:solidFill>
+              </a:rPr>
+              <a:t>물감 두개를 조합해 </a:t>
+            </a:r>
+            <a:r>
+              <a:rPr lang="en-US" altLang="ko-KR" sz="1800" dirty="0" smtClean="0">
+                <a:solidFill>
+                  <a:schemeClr val="bg1"/>
+                </a:solidFill>
+              </a:rPr>
+              <a:t>Tier2 </a:t>
+            </a:r>
+            <a:r>
+              <a:rPr lang="ko-KR" altLang="en-US" sz="1800" dirty="0" smtClean="0">
+                <a:solidFill>
+                  <a:schemeClr val="bg1"/>
+                </a:solidFill>
+              </a:rPr>
+              <a:t>물감으로 만들수 있다</a:t>
+            </a:r>
+            <a:r>
+              <a:rPr lang="en-US" altLang="ko-KR" sz="1800" dirty="0" smtClean="0">
+                <a:solidFill>
+                  <a:schemeClr val="bg1"/>
+                </a:solidFill>
+              </a:rPr>
+              <a:t>. </a:t>
+            </a:r>
+          </a:p>
+          <a:p>
+            <a:r>
+              <a:rPr lang="en-US" altLang="ko-KR" sz="1800" dirty="0" smtClean="0">
+                <a:solidFill>
+                  <a:schemeClr val="bg1"/>
+                </a:solidFill>
+              </a:rPr>
+              <a:t>Tier2 </a:t>
+            </a:r>
+            <a:r>
+              <a:rPr lang="ko-KR" altLang="en-US" sz="1800" dirty="0" smtClean="0">
+                <a:solidFill>
+                  <a:schemeClr val="bg1"/>
+                </a:solidFill>
+              </a:rPr>
+              <a:t>물감을 </a:t>
+            </a:r>
+            <a:r>
+              <a:rPr lang="en-US" altLang="ko-KR" sz="1800" dirty="0" smtClean="0">
+                <a:solidFill>
+                  <a:schemeClr val="bg1"/>
+                </a:solidFill>
+              </a:rPr>
+              <a:t>Tier2 </a:t>
+            </a:r>
+            <a:r>
+              <a:rPr lang="ko-KR" altLang="en-US" sz="1800" dirty="0" smtClean="0">
+                <a:solidFill>
+                  <a:schemeClr val="bg1"/>
+                </a:solidFill>
+              </a:rPr>
+              <a:t>백색 타워에 칠하면 특별한 타워로 변한다</a:t>
+            </a:r>
+            <a:r>
+              <a:rPr lang="en-US" altLang="ko-KR" sz="1800" dirty="0" smtClean="0">
+                <a:solidFill>
+                  <a:schemeClr val="bg1"/>
+                </a:solidFill>
+              </a:rPr>
+              <a:t>.</a:t>
+            </a:r>
+          </a:p>
         </p:txBody>
       </p:sp>
     </p:spTree>
     <p:extLst>
       <p:ext uri="{BB962C8B-B14F-4D97-AF65-F5344CB8AC3E}">
-        <p14:creationId xmlns:p14="http://schemas.microsoft.com/office/powerpoint/2010/main" val="489303277"/>
+        <p14:creationId xmlns:p14="http://schemas.microsoft.com/office/powerpoint/2010/main" val="181167043"/>
       </p:ext>
     </p:extLst>
   </p:cSld>
@@ -3256,7 +4300,7 @@
                   <a:schemeClr val="bg1"/>
                 </a:solidFill>
               </a:rPr>
-              <a:t>Tower System</a:t>
+              <a:t>Game outline</a:t>
             </a:r>
             <a:endParaRPr lang="ko-KR" altLang="en-US" dirty="0">
               <a:solidFill>
@@ -3278,59 +4322,150 @@
         </p:nvSpPr>
         <p:spPr/>
         <p:txBody>
-          <a:bodyPr/>
-          <a:lstStyle/>
-          <a:p>
-            <a:r>
-              <a:rPr lang="en-US" altLang="ko-KR" sz="2400" dirty="0" smtClean="0">
-                <a:solidFill>
-                  <a:schemeClr val="bg1"/>
-                </a:solidFill>
-              </a:rPr>
-              <a:t>White tower (Base) </a:t>
-            </a:r>
-            <a:r>
-              <a:rPr lang="en-US" altLang="ko-KR" sz="2400" dirty="0" err="1" smtClean="0">
-                <a:solidFill>
-                  <a:schemeClr val="bg1"/>
-                </a:solidFill>
-              </a:rPr>
-              <a:t>Lv</a:t>
-            </a:r>
-            <a:r>
-              <a:rPr lang="en-US" altLang="ko-KR" sz="2400" dirty="0" smtClean="0">
-                <a:solidFill>
-                  <a:schemeClr val="bg1"/>
-                </a:solidFill>
-              </a:rPr>
-              <a:t> 1 2 3 …</a:t>
-            </a:r>
-          </a:p>
-          <a:p>
-            <a:pPr lvl="1"/>
-            <a:r>
-              <a:rPr lang="en-US" altLang="ko-KR" sz="2000" dirty="0" smtClean="0">
-                <a:solidFill>
-                  <a:schemeClr val="bg1"/>
-                </a:solidFill>
-              </a:rPr>
-              <a:t>Normal attack</a:t>
-            </a:r>
-          </a:p>
-          <a:p>
-            <a:pPr lvl="1"/>
-            <a:r>
-              <a:rPr lang="en-US" altLang="ko-KR" sz="2000" dirty="0" smtClean="0">
-                <a:solidFill>
-                  <a:schemeClr val="bg1"/>
-                </a:solidFill>
-              </a:rPr>
-              <a:t>Upgrade with gold</a:t>
-            </a:r>
-          </a:p>
-          <a:p>
-            <a:pPr lvl="1"/>
-            <a:endParaRPr lang="en-US" altLang="ko-KR" sz="2000" dirty="0">
+          <a:bodyPr>
+            <a:normAutofit/>
+          </a:bodyPr>
+          <a:lstStyle/>
+          <a:p>
+            <a:r>
+              <a:rPr lang="en-US" altLang="ko-KR" sz="1800" dirty="0" smtClean="0">
+                <a:solidFill>
+                  <a:schemeClr val="bg1"/>
+                </a:solidFill>
+              </a:rPr>
+              <a:t>Tier2 </a:t>
+            </a:r>
+            <a:r>
+              <a:rPr lang="ko-KR" altLang="en-US" sz="1800" dirty="0" smtClean="0">
+                <a:solidFill>
+                  <a:schemeClr val="bg1"/>
+                </a:solidFill>
+              </a:rPr>
+              <a:t>물감을 이미 색이 부여된 </a:t>
+            </a:r>
+            <a:r>
+              <a:rPr lang="ko-KR" altLang="en-US" sz="1800" dirty="0" smtClean="0">
+                <a:solidFill>
+                  <a:schemeClr val="bg1"/>
+                </a:solidFill>
+              </a:rPr>
+              <a:t>타워에 칠해서 </a:t>
+            </a:r>
+            <a:r>
+              <a:rPr lang="en-US" altLang="ko-KR" sz="1800" dirty="0" smtClean="0">
+                <a:solidFill>
+                  <a:schemeClr val="bg1"/>
+                </a:solidFill>
+              </a:rPr>
+              <a:t>Enchant</a:t>
+            </a:r>
+            <a:r>
+              <a:rPr lang="ko-KR" altLang="en-US" sz="1800" dirty="0" smtClean="0">
+                <a:solidFill>
+                  <a:schemeClr val="bg1"/>
+                </a:solidFill>
+              </a:rPr>
+              <a:t>를 할 수 있다</a:t>
+            </a:r>
+            <a:r>
+              <a:rPr lang="en-US" altLang="ko-KR" sz="1800" dirty="0" smtClean="0">
+                <a:solidFill>
+                  <a:schemeClr val="bg1"/>
+                </a:solidFill>
+              </a:rPr>
+              <a:t>. 6</a:t>
+            </a:r>
+            <a:r>
+              <a:rPr lang="ko-KR" altLang="en-US" sz="1800" dirty="0" smtClean="0">
+                <a:solidFill>
+                  <a:schemeClr val="bg1"/>
+                </a:solidFill>
+              </a:rPr>
+              <a:t>종류의 </a:t>
+            </a:r>
+            <a:r>
+              <a:rPr lang="ko-KR" altLang="en-US" sz="1800" dirty="0" smtClean="0">
+                <a:solidFill>
+                  <a:schemeClr val="bg1"/>
+                </a:solidFill>
+              </a:rPr>
+              <a:t>각 </a:t>
+            </a:r>
+            <a:r>
+              <a:rPr lang="en-US" altLang="ko-KR" sz="1800" dirty="0" smtClean="0">
+                <a:solidFill>
+                  <a:schemeClr val="bg1"/>
+                </a:solidFill>
+              </a:rPr>
+              <a:t>Tier2</a:t>
+            </a:r>
+            <a:r>
+              <a:rPr lang="ko-KR" altLang="en-US" sz="1800" dirty="0" smtClean="0">
+                <a:solidFill>
+                  <a:schemeClr val="bg1"/>
+                </a:solidFill>
+              </a:rPr>
+              <a:t>물감마다 타워의 특정 능력치를 증가시킨다</a:t>
+            </a:r>
+            <a:r>
+              <a:rPr lang="en-US" altLang="ko-KR" sz="1800" dirty="0" smtClean="0">
+                <a:solidFill>
+                  <a:schemeClr val="bg1"/>
+                </a:solidFill>
+              </a:rPr>
+              <a:t>. (</a:t>
+            </a:r>
+            <a:r>
+              <a:rPr lang="ko-KR" altLang="en-US" sz="1800" dirty="0" smtClean="0">
+                <a:solidFill>
+                  <a:schemeClr val="bg1"/>
+                </a:solidFill>
+              </a:rPr>
+              <a:t>공격력</a:t>
+            </a:r>
+            <a:r>
+              <a:rPr lang="en-US" altLang="ko-KR" sz="1800" dirty="0" smtClean="0">
+                <a:solidFill>
+                  <a:schemeClr val="bg1"/>
+                </a:solidFill>
+              </a:rPr>
+              <a:t>, </a:t>
+            </a:r>
+            <a:r>
+              <a:rPr lang="ko-KR" altLang="en-US" sz="1800" dirty="0" smtClean="0">
+                <a:solidFill>
+                  <a:schemeClr val="bg1"/>
+                </a:solidFill>
+              </a:rPr>
+              <a:t>공속</a:t>
+            </a:r>
+            <a:r>
+              <a:rPr lang="en-US" altLang="ko-KR" sz="1800" dirty="0" smtClean="0">
+                <a:solidFill>
+                  <a:schemeClr val="bg1"/>
+                </a:solidFill>
+              </a:rPr>
+              <a:t>, </a:t>
+            </a:r>
+            <a:r>
+              <a:rPr lang="ko-KR" altLang="en-US" sz="1800" dirty="0" smtClean="0">
+                <a:solidFill>
+                  <a:schemeClr val="bg1"/>
+                </a:solidFill>
+              </a:rPr>
+              <a:t>사거리 등</a:t>
+            </a:r>
+            <a:r>
+              <a:rPr lang="en-US" altLang="ko-KR" sz="1800" dirty="0" smtClean="0">
+                <a:solidFill>
+                  <a:schemeClr val="bg1"/>
+                </a:solidFill>
+              </a:rPr>
+              <a:t>)</a:t>
+            </a:r>
+          </a:p>
+          <a:p>
+            <a:endParaRPr lang="en-US" altLang="ko-KR" sz="1800" dirty="0">
               <a:solidFill>
                 <a:schemeClr val="bg1"/>
               </a:solidFill>
@@ -3338,48 +4473,96 @@
           </a:p>
           <a:p>
             <a:r>
-              <a:rPr lang="en-US" altLang="ko-KR" sz="2400" dirty="0" smtClean="0">
-                <a:solidFill>
-                  <a:schemeClr val="bg1"/>
-                </a:solidFill>
-              </a:rPr>
-              <a:t>Essence (</a:t>
-            </a:r>
-            <a:r>
-              <a:rPr lang="en-US" altLang="ko-KR" sz="2400" b="1" dirty="0" smtClean="0">
-                <a:solidFill>
-                  <a:srgbClr val="FF0000"/>
-                </a:solidFill>
-              </a:rPr>
-              <a:t>R</a:t>
-            </a:r>
-            <a:r>
-              <a:rPr lang="en-US" altLang="ko-KR" sz="2400" b="1" dirty="0" smtClean="0">
-                <a:solidFill>
-                  <a:srgbClr val="66FF66"/>
-                </a:solidFill>
-              </a:rPr>
-              <a:t>G</a:t>
-            </a:r>
-            <a:r>
-              <a:rPr lang="en-US" altLang="ko-KR" sz="2400" b="1" dirty="0" smtClean="0">
-                <a:solidFill>
-                  <a:srgbClr val="0066FF"/>
-                </a:solidFill>
-              </a:rPr>
-              <a:t>B</a:t>
-            </a:r>
-            <a:r>
-              <a:rPr lang="en-US" altLang="ko-KR" sz="2400" dirty="0" smtClean="0">
-                <a:solidFill>
-                  <a:schemeClr val="bg1"/>
-                </a:solidFill>
-              </a:rPr>
-              <a:t>)</a:t>
-            </a:r>
-          </a:p>
-          <a:p>
-            <a:endParaRPr lang="en-US" altLang="ko-KR" sz="2400" dirty="0">
+              <a:rPr lang="ko-KR" altLang="en-US" sz="1800" dirty="0" smtClean="0">
+                <a:solidFill>
+                  <a:schemeClr val="bg1"/>
+                </a:solidFill>
+              </a:rPr>
+              <a:t> 스테이지를 클리어하는 등 업적을 달성하면 </a:t>
+            </a:r>
+            <a:r>
+              <a:rPr lang="en-US" altLang="ko-KR" sz="1800" dirty="0" smtClean="0">
+                <a:solidFill>
+                  <a:schemeClr val="bg1"/>
+                </a:solidFill>
+              </a:rPr>
+              <a:t>Tier3 </a:t>
+            </a:r>
+            <a:r>
+              <a:rPr lang="ko-KR" altLang="en-US" sz="1800" dirty="0" smtClean="0">
+                <a:solidFill>
+                  <a:schemeClr val="bg1"/>
+                </a:solidFill>
+              </a:rPr>
+              <a:t>물감 조합법이 해금된다</a:t>
+            </a:r>
+            <a:r>
+              <a:rPr lang="en-US" altLang="ko-KR" sz="1800" dirty="0" smtClean="0">
+                <a:solidFill>
+                  <a:schemeClr val="bg1"/>
+                </a:solidFill>
+              </a:rPr>
+              <a:t>. Tier3 </a:t>
+            </a:r>
+            <a:r>
+              <a:rPr lang="ko-KR" altLang="en-US" sz="1800" dirty="0" smtClean="0">
+                <a:solidFill>
+                  <a:schemeClr val="bg1"/>
+                </a:solidFill>
+              </a:rPr>
+              <a:t>물감은</a:t>
+            </a:r>
+            <a:r>
+              <a:rPr lang="en-US" altLang="ko-KR" sz="1800" dirty="0">
+                <a:solidFill>
+                  <a:schemeClr val="bg1"/>
+                </a:solidFill>
+              </a:rPr>
+              <a:t> </a:t>
+            </a:r>
+            <a:r>
+              <a:rPr lang="en-US" altLang="ko-KR" sz="1800" dirty="0" smtClean="0">
+                <a:solidFill>
+                  <a:schemeClr val="bg1"/>
+                </a:solidFill>
+              </a:rPr>
+              <a:t>Tier2 </a:t>
+            </a:r>
+            <a:r>
+              <a:rPr lang="ko-KR" altLang="en-US" sz="1800" dirty="0" smtClean="0">
+                <a:solidFill>
+                  <a:schemeClr val="bg1"/>
+                </a:solidFill>
+              </a:rPr>
+              <a:t>물감 </a:t>
+            </a:r>
+            <a:r>
+              <a:rPr lang="en-US" altLang="ko-KR" sz="1800" dirty="0" smtClean="0">
+                <a:solidFill>
+                  <a:schemeClr val="bg1"/>
+                </a:solidFill>
+              </a:rPr>
+              <a:t>2</a:t>
+            </a:r>
+            <a:r>
+              <a:rPr lang="ko-KR" altLang="en-US" sz="1800" dirty="0" smtClean="0">
+                <a:solidFill>
+                  <a:schemeClr val="bg1"/>
+                </a:solidFill>
+              </a:rPr>
+              <a:t>개 이상을 조합해 만든다</a:t>
+            </a:r>
+            <a:r>
+              <a:rPr lang="en-US" altLang="ko-KR" sz="1800" dirty="0" smtClean="0">
+                <a:solidFill>
+                  <a:schemeClr val="bg1"/>
+                </a:solidFill>
+              </a:rPr>
+              <a:t>.</a:t>
+            </a:r>
+          </a:p>
+          <a:p>
+            <a:endParaRPr lang="en-US" altLang="ko-KR" sz="1800" dirty="0">
               <a:solidFill>
                 <a:schemeClr val="bg1"/>
               </a:solidFill>
@@ -3387,34 +4570,209 @@
           </a:p>
           <a:p>
             <a:r>
-              <a:rPr lang="en-US" altLang="ko-KR" sz="2400" dirty="0" smtClean="0">
-                <a:solidFill>
-                  <a:schemeClr val="bg1"/>
-                </a:solidFill>
-              </a:rPr>
-              <a:t>Need recipe for combining three or more essence. Recipe can be obtained by clearing stage(map)s.</a:t>
-            </a:r>
-          </a:p>
-          <a:p>
-            <a:endParaRPr lang="en-US" altLang="ko-KR" dirty="0">
+              <a:rPr lang="ko-KR" altLang="en-US" sz="1800" dirty="0" smtClean="0">
+                <a:solidFill>
+                  <a:schemeClr val="bg1"/>
+                </a:solidFill>
+              </a:rPr>
+              <a:t>게임이 끝날 때 전반적인 타워 비율</a:t>
+            </a:r>
+            <a:endParaRPr lang="en-US" altLang="ko-KR" sz="1800" dirty="0">
               <a:solidFill>
                 <a:schemeClr val="bg1"/>
               </a:solidFill>
             </a:endParaRPr>
           </a:p>
           <a:p>
-            <a:endParaRPr lang="ko-KR" altLang="en-US" dirty="0">
+            <a:pPr lvl="1"/>
+            <a:r>
+              <a:rPr lang="ko-KR" altLang="en-US" sz="1400" dirty="0" smtClean="0">
+                <a:solidFill>
+                  <a:schemeClr val="bg1"/>
+                </a:solidFill>
+              </a:rPr>
+              <a:t>백색타워 </a:t>
+            </a:r>
+            <a:r>
+              <a:rPr lang="en-US" altLang="ko-KR" sz="1400" dirty="0" smtClean="0">
+                <a:solidFill>
+                  <a:schemeClr val="bg1"/>
+                </a:solidFill>
+              </a:rPr>
+              <a:t>20</a:t>
+            </a:r>
+            <a:r>
+              <a:rPr lang="ko-KR" altLang="en-US" sz="1400" dirty="0" smtClean="0">
+                <a:solidFill>
+                  <a:schemeClr val="bg1"/>
+                </a:solidFill>
+              </a:rPr>
+              <a:t>개정도</a:t>
+            </a:r>
+            <a:endParaRPr lang="en-US" altLang="ko-KR" sz="1400" dirty="0" smtClean="0">
               <a:solidFill>
                 <a:schemeClr val="bg1"/>
               </a:solidFill>
             </a:endParaRPr>
           </a:p>
+          <a:p>
+            <a:pPr lvl="1"/>
+            <a:r>
+              <a:rPr lang="en-US" altLang="ko-KR" sz="1400" dirty="0" smtClean="0">
+                <a:solidFill>
+                  <a:schemeClr val="bg1"/>
+                </a:solidFill>
+              </a:rPr>
+              <a:t>Tier1 </a:t>
+            </a:r>
+            <a:r>
+              <a:rPr lang="ko-KR" altLang="en-US" sz="1400" dirty="0" smtClean="0">
+                <a:solidFill>
+                  <a:schemeClr val="bg1"/>
+                </a:solidFill>
+              </a:rPr>
+              <a:t>색타워 </a:t>
+            </a:r>
+            <a:r>
+              <a:rPr lang="en-US" altLang="ko-KR" sz="1400" dirty="0" smtClean="0">
+                <a:solidFill>
+                  <a:schemeClr val="bg1"/>
+                </a:solidFill>
+              </a:rPr>
+              <a:t>5~10</a:t>
+            </a:r>
+            <a:r>
+              <a:rPr lang="ko-KR" altLang="en-US" sz="1400" dirty="0" smtClean="0">
+                <a:solidFill>
+                  <a:schemeClr val="bg1"/>
+                </a:solidFill>
+              </a:rPr>
+              <a:t>개</a:t>
+            </a:r>
+            <a:endParaRPr lang="en-US" altLang="ko-KR" sz="1400" dirty="0" smtClean="0">
+              <a:solidFill>
+                <a:schemeClr val="bg1"/>
+              </a:solidFill>
+            </a:endParaRPr>
+          </a:p>
+          <a:p>
+            <a:pPr lvl="1"/>
+            <a:r>
+              <a:rPr lang="en-US" altLang="ko-KR" sz="1400" dirty="0" smtClean="0">
+                <a:solidFill>
+                  <a:schemeClr val="bg1"/>
+                </a:solidFill>
+              </a:rPr>
+              <a:t>Tier2 </a:t>
+            </a:r>
+            <a:r>
+              <a:rPr lang="ko-KR" altLang="en-US" sz="1400" dirty="0" smtClean="0">
+                <a:solidFill>
+                  <a:schemeClr val="bg1"/>
+                </a:solidFill>
+              </a:rPr>
+              <a:t>색타워 </a:t>
+            </a:r>
+            <a:r>
+              <a:rPr lang="en-US" altLang="ko-KR" sz="1400" dirty="0" smtClean="0">
+                <a:solidFill>
+                  <a:schemeClr val="bg1"/>
+                </a:solidFill>
+              </a:rPr>
+              <a:t>3~5</a:t>
+            </a:r>
+            <a:r>
+              <a:rPr lang="ko-KR" altLang="en-US" sz="1400" dirty="0" smtClean="0">
+                <a:solidFill>
+                  <a:schemeClr val="bg1"/>
+                </a:solidFill>
+              </a:rPr>
+              <a:t>개</a:t>
+            </a:r>
+            <a:endParaRPr lang="en-US" altLang="ko-KR" sz="1400" dirty="0" smtClean="0">
+              <a:solidFill>
+                <a:schemeClr val="bg1"/>
+              </a:solidFill>
+            </a:endParaRPr>
+          </a:p>
+          <a:p>
+            <a:pPr lvl="1"/>
+            <a:r>
+              <a:rPr lang="en-US" altLang="ko-KR" sz="1400" dirty="0" smtClean="0">
+                <a:solidFill>
+                  <a:schemeClr val="bg1"/>
+                </a:solidFill>
+              </a:rPr>
+              <a:t>Tier3 </a:t>
+            </a:r>
+            <a:r>
+              <a:rPr lang="ko-KR" altLang="en-US" sz="1400" dirty="0" smtClean="0">
+                <a:solidFill>
+                  <a:schemeClr val="bg1"/>
+                </a:solidFill>
+              </a:rPr>
+              <a:t>색타워 </a:t>
+            </a:r>
+            <a:r>
+              <a:rPr lang="en-US" altLang="ko-KR" sz="1400" dirty="0" smtClean="0">
+                <a:solidFill>
+                  <a:schemeClr val="bg1"/>
+                </a:solidFill>
+              </a:rPr>
+              <a:t>0~1</a:t>
+            </a:r>
+            <a:r>
+              <a:rPr lang="ko-KR" altLang="en-US" sz="1400" dirty="0" smtClean="0">
+                <a:solidFill>
+                  <a:schemeClr val="bg1"/>
+                </a:solidFill>
+              </a:rPr>
+              <a:t>개</a:t>
+            </a:r>
+            <a:endParaRPr lang="en-US" altLang="ko-KR" sz="1400" dirty="0" smtClean="0">
+              <a:solidFill>
+                <a:schemeClr val="bg1"/>
+              </a:solidFill>
+            </a:endParaRPr>
+          </a:p>
+          <a:p>
+            <a:pPr lvl="1"/>
+            <a:endParaRPr lang="en-US" altLang="ko-KR" sz="1400" dirty="0">
+              <a:solidFill>
+                <a:schemeClr val="bg1"/>
+              </a:solidFill>
+            </a:endParaRPr>
+          </a:p>
+          <a:p>
+            <a:pPr lvl="1"/>
+            <a:r>
+              <a:rPr lang="en-US" altLang="ko-KR" sz="1400" dirty="0" smtClean="0">
+                <a:solidFill>
+                  <a:schemeClr val="bg1"/>
+                </a:solidFill>
+              </a:rPr>
+              <a:t>=&gt; </a:t>
+            </a:r>
+            <a:r>
+              <a:rPr lang="ko-KR" altLang="en-US" sz="1400" dirty="0" smtClean="0">
+                <a:solidFill>
+                  <a:schemeClr val="bg1"/>
+                </a:solidFill>
+              </a:rPr>
+              <a:t>백색타워를 많이 지을수밖에 없는 구조로 색타워를 특별하게</a:t>
+            </a:r>
+            <a:endParaRPr lang="en-US" altLang="ko-KR" sz="1400" dirty="0" smtClean="0">
+              <a:solidFill>
+                <a:schemeClr val="bg1"/>
+              </a:solidFill>
+            </a:endParaRPr>
+          </a:p>
         </p:txBody>
       </p:sp>
     </p:spTree>
     <p:extLst>
       <p:ext uri="{BB962C8B-B14F-4D97-AF65-F5344CB8AC3E}">
-        <p14:creationId xmlns:p14="http://schemas.microsoft.com/office/powerpoint/2010/main" val="2335909272"/>
+        <p14:creationId xmlns:p14="http://schemas.microsoft.com/office/powerpoint/2010/main" val="2391279828"/>
       </p:ext>
     </p:extLst>
   </p:cSld>
@@ -3443,7 +4801,1739 @@
       </p:grpSpPr>
       <p:sp>
         <p:nvSpPr>
-          <p:cNvPr id="14" name="Oval 13"/>
+          <p:cNvPr id="2" name="Title 1"/>
+          <p:cNvSpPr>
+            <a:spLocks noGrp="1"/>
+          </p:cNvSpPr>
+          <p:nvPr>
+            <p:ph type="title"/>
+          </p:nvPr>
+        </p:nvSpPr>
+        <p:spPr/>
+        <p:txBody>
+          <a:bodyPr/>
+          <a:lstStyle/>
+          <a:p>
+            <a:r>
+              <a:rPr lang="en-US" altLang="ko-KR" dirty="0" smtClean="0">
+                <a:solidFill>
+                  <a:schemeClr val="bg1"/>
+                </a:solidFill>
+              </a:rPr>
+              <a:t>Tower &amp; </a:t>
+            </a:r>
+            <a:r>
+              <a:rPr lang="ko-KR" altLang="en-US" dirty="0" smtClean="0">
+                <a:solidFill>
+                  <a:schemeClr val="bg1"/>
+                </a:solidFill>
+              </a:rPr>
+              <a:t>물감</a:t>
+            </a:r>
+            <a:r>
+              <a:rPr lang="en-US" altLang="ko-KR" dirty="0" smtClean="0">
+                <a:solidFill>
+                  <a:schemeClr val="bg1"/>
+                </a:solidFill>
+              </a:rPr>
+              <a:t> </a:t>
+            </a:r>
+            <a:r>
+              <a:rPr lang="en-US" altLang="ko-KR" dirty="0" smtClean="0">
+                <a:solidFill>
+                  <a:schemeClr val="bg1"/>
+                </a:solidFill>
+              </a:rPr>
+              <a:t>System</a:t>
+            </a:r>
+            <a:endParaRPr lang="ko-KR" altLang="en-US" dirty="0">
+              <a:solidFill>
+                <a:schemeClr val="bg1"/>
+              </a:solidFill>
+            </a:endParaRPr>
+          </a:p>
+        </p:txBody>
+      </p:sp>
+      <p:sp>
+        <p:nvSpPr>
+          <p:cNvPr id="3" name="Content Placeholder 2"/>
+          <p:cNvSpPr>
+            <a:spLocks noGrp="1"/>
+          </p:cNvSpPr>
+          <p:nvPr>
+            <p:ph idx="1"/>
+          </p:nvPr>
+        </p:nvSpPr>
+        <p:spPr/>
+        <p:txBody>
+          <a:bodyPr>
+            <a:normAutofit fontScale="92500" lnSpcReduction="10000"/>
+          </a:bodyPr>
+          <a:lstStyle/>
+          <a:p>
+            <a:r>
+              <a:rPr lang="en-US" altLang="ko-KR" sz="2000" dirty="0" smtClean="0">
+                <a:solidFill>
+                  <a:schemeClr val="bg1"/>
+                </a:solidFill>
+              </a:rPr>
+              <a:t>White Tower (</a:t>
+            </a:r>
+            <a:r>
+              <a:rPr lang="ko-KR" altLang="en-US" sz="2000" dirty="0" smtClean="0">
+                <a:solidFill>
+                  <a:schemeClr val="bg1"/>
+                </a:solidFill>
+              </a:rPr>
+              <a:t>캔버스 같은 역할</a:t>
+            </a:r>
+            <a:r>
+              <a:rPr lang="en-US" altLang="ko-KR" sz="2000" dirty="0" smtClean="0">
+                <a:solidFill>
+                  <a:schemeClr val="bg1"/>
+                </a:solidFill>
+              </a:rPr>
+              <a:t>)</a:t>
+            </a:r>
+          </a:p>
+          <a:p>
+            <a:pPr lvl="1"/>
+            <a:r>
+              <a:rPr lang="ko-KR" altLang="en-US" sz="1600" dirty="0" smtClean="0">
+                <a:solidFill>
+                  <a:schemeClr val="bg1"/>
+                </a:solidFill>
+              </a:rPr>
+              <a:t>속성없는 기본 공격을 한다</a:t>
+            </a:r>
+            <a:r>
+              <a:rPr lang="en-US" altLang="ko-KR" sz="1600" dirty="0" smtClean="0">
+                <a:solidFill>
+                  <a:schemeClr val="bg1"/>
+                </a:solidFill>
+              </a:rPr>
+              <a:t>. </a:t>
+            </a:r>
+            <a:r>
+              <a:rPr lang="ko-KR" altLang="en-US" sz="1600" dirty="0" smtClean="0">
+                <a:solidFill>
+                  <a:schemeClr val="bg1"/>
+                </a:solidFill>
+              </a:rPr>
+              <a:t>초반엔 이거로 버팀</a:t>
+            </a:r>
+            <a:endParaRPr lang="en-US" altLang="ko-KR" sz="1600" dirty="0" smtClean="0">
+              <a:solidFill>
+                <a:schemeClr val="bg1"/>
+              </a:solidFill>
+            </a:endParaRPr>
+          </a:p>
+          <a:p>
+            <a:pPr lvl="1"/>
+            <a:r>
+              <a:rPr lang="en-US" altLang="ko-KR" sz="1600" dirty="0" smtClean="0">
+                <a:solidFill>
+                  <a:schemeClr val="bg1"/>
+                </a:solidFill>
+              </a:rPr>
+              <a:t>Tier1 : </a:t>
+            </a:r>
+            <a:r>
+              <a:rPr lang="ko-KR" altLang="en-US" sz="1600" dirty="0" smtClean="0">
+                <a:solidFill>
+                  <a:schemeClr val="bg1"/>
+                </a:solidFill>
+              </a:rPr>
+              <a:t>골드를 소모해 설치</a:t>
+            </a:r>
+            <a:r>
+              <a:rPr lang="en-US" altLang="ko-KR" sz="1600" dirty="0" smtClean="0">
+                <a:solidFill>
+                  <a:schemeClr val="bg1"/>
+                </a:solidFill>
+              </a:rPr>
+              <a:t>. Tier1 </a:t>
+            </a:r>
+            <a:r>
+              <a:rPr lang="ko-KR" altLang="en-US" sz="1600" dirty="0" smtClean="0">
+                <a:solidFill>
+                  <a:schemeClr val="bg1"/>
+                </a:solidFill>
+              </a:rPr>
+              <a:t>물감을 칠해 속성을 부여할 수 있다</a:t>
+            </a:r>
+            <a:r>
+              <a:rPr lang="en-US" altLang="ko-KR" sz="1600" dirty="0" smtClean="0">
+                <a:solidFill>
+                  <a:schemeClr val="bg1"/>
+                </a:solidFill>
+              </a:rPr>
+              <a:t>.</a:t>
+            </a:r>
+          </a:p>
+          <a:p>
+            <a:pPr lvl="1"/>
+            <a:r>
+              <a:rPr lang="en-US" altLang="ko-KR" sz="1600" dirty="0" smtClean="0">
+                <a:solidFill>
+                  <a:schemeClr val="bg1"/>
+                </a:solidFill>
+              </a:rPr>
+              <a:t>Tier2 : Tier1 White tower</a:t>
+            </a:r>
+            <a:r>
+              <a:rPr lang="ko-KR" altLang="en-US" sz="1600" dirty="0" smtClean="0">
+                <a:solidFill>
+                  <a:schemeClr val="bg1"/>
+                </a:solidFill>
+              </a:rPr>
+              <a:t>에서 골드를 소모해 업그레이드</a:t>
+            </a:r>
+            <a:r>
+              <a:rPr lang="en-US" altLang="ko-KR" sz="1600" dirty="0" smtClean="0">
+                <a:solidFill>
+                  <a:schemeClr val="bg1"/>
+                </a:solidFill>
+              </a:rPr>
+              <a:t>. Tier2 </a:t>
+            </a:r>
+            <a:r>
+              <a:rPr lang="ko-KR" altLang="en-US" sz="1600" dirty="0" smtClean="0">
+                <a:solidFill>
+                  <a:schemeClr val="bg1"/>
+                </a:solidFill>
+              </a:rPr>
+              <a:t>물감을 칠하면 특별한 타워가 된다</a:t>
+            </a:r>
+            <a:r>
+              <a:rPr lang="en-US" altLang="ko-KR" sz="1600" dirty="0" smtClean="0">
+                <a:solidFill>
+                  <a:schemeClr val="bg1"/>
+                </a:solidFill>
+              </a:rPr>
+              <a:t>.</a:t>
+            </a:r>
+          </a:p>
+          <a:p>
+            <a:pPr lvl="1"/>
+            <a:r>
+              <a:rPr lang="en-US" altLang="ko-KR" sz="1600" dirty="0" smtClean="0">
+                <a:solidFill>
+                  <a:schemeClr val="bg1"/>
+                </a:solidFill>
+              </a:rPr>
+              <a:t>Tier3 : Tier2 White tower</a:t>
+            </a:r>
+            <a:r>
+              <a:rPr lang="ko-KR" altLang="en-US" sz="1600" dirty="0" smtClean="0">
+                <a:solidFill>
+                  <a:schemeClr val="bg1"/>
+                </a:solidFill>
+              </a:rPr>
+              <a:t>에서 골드를 소모해 업그레이드</a:t>
+            </a:r>
+            <a:r>
+              <a:rPr lang="en-US" altLang="ko-KR" sz="1600" dirty="0" smtClean="0">
+                <a:solidFill>
+                  <a:schemeClr val="bg1"/>
+                </a:solidFill>
+              </a:rPr>
+              <a:t>. </a:t>
+            </a:r>
+            <a:r>
+              <a:rPr lang="ko-KR" altLang="en-US" sz="1600" dirty="0" smtClean="0">
+                <a:solidFill>
+                  <a:schemeClr val="bg1"/>
+                </a:solidFill>
+              </a:rPr>
+              <a:t>희귀한 </a:t>
+            </a:r>
+            <a:r>
+              <a:rPr lang="en-US" altLang="ko-KR" sz="1600" dirty="0" smtClean="0">
+                <a:solidFill>
+                  <a:schemeClr val="bg1"/>
+                </a:solidFill>
+              </a:rPr>
+              <a:t>Tier3 </a:t>
+            </a:r>
+            <a:r>
+              <a:rPr lang="ko-KR" altLang="en-US" sz="1600" dirty="0" smtClean="0">
+                <a:solidFill>
+                  <a:schemeClr val="bg1"/>
+                </a:solidFill>
+              </a:rPr>
+              <a:t>물감을 칠하면 특별한 타워가 된다</a:t>
+            </a:r>
+            <a:r>
+              <a:rPr lang="en-US" altLang="ko-KR" sz="1600" dirty="0" smtClean="0">
+                <a:solidFill>
+                  <a:schemeClr val="bg1"/>
+                </a:solidFill>
+              </a:rPr>
+              <a:t>.</a:t>
+            </a:r>
+            <a:r>
+              <a:rPr lang="ko-KR" altLang="en-US" sz="1600" dirty="0" smtClean="0">
+                <a:solidFill>
+                  <a:schemeClr val="bg1"/>
+                </a:solidFill>
+              </a:rPr>
+              <a:t> </a:t>
+            </a:r>
+            <a:endParaRPr lang="en-US" altLang="ko-KR" sz="1600" dirty="0">
+              <a:solidFill>
+                <a:schemeClr val="bg1"/>
+              </a:solidFill>
+            </a:endParaRPr>
+          </a:p>
+          <a:p>
+            <a:pPr marL="457200" lvl="1" indent="0">
+              <a:buNone/>
+            </a:pPr>
+            <a:endParaRPr lang="en-US" altLang="ko-KR" sz="1800" dirty="0">
+              <a:solidFill>
+                <a:schemeClr val="bg1"/>
+              </a:solidFill>
+            </a:endParaRPr>
+          </a:p>
+          <a:p>
+            <a:r>
+              <a:rPr lang="ko-KR" altLang="en-US" sz="2000" dirty="0" smtClean="0">
+                <a:solidFill>
+                  <a:schemeClr val="bg1"/>
+                </a:solidFill>
+              </a:rPr>
+              <a:t>물감</a:t>
+            </a:r>
+            <a:r>
+              <a:rPr lang="en-US" altLang="ko-KR" sz="2000" dirty="0" smtClean="0">
+                <a:solidFill>
+                  <a:schemeClr val="bg1"/>
+                </a:solidFill>
+              </a:rPr>
+              <a:t> </a:t>
+            </a:r>
+            <a:r>
+              <a:rPr lang="en-US" altLang="ko-KR" sz="2000" dirty="0" smtClean="0">
+                <a:solidFill>
+                  <a:schemeClr val="bg1"/>
+                </a:solidFill>
+              </a:rPr>
+              <a:t>(</a:t>
+            </a:r>
+            <a:r>
+              <a:rPr lang="en-US" altLang="ko-KR" sz="2000" b="1" dirty="0" smtClean="0">
+                <a:solidFill>
+                  <a:srgbClr val="FF0000"/>
+                </a:solidFill>
+              </a:rPr>
+              <a:t>R</a:t>
+            </a:r>
+            <a:r>
+              <a:rPr lang="en-US" altLang="ko-KR" sz="2000" b="1" dirty="0" smtClean="0">
+                <a:solidFill>
+                  <a:srgbClr val="66FF66"/>
+                </a:solidFill>
+              </a:rPr>
+              <a:t>G</a:t>
+            </a:r>
+            <a:r>
+              <a:rPr lang="en-US" altLang="ko-KR" sz="2000" b="1" dirty="0" smtClean="0">
+                <a:solidFill>
+                  <a:srgbClr val="0066FF"/>
+                </a:solidFill>
+              </a:rPr>
+              <a:t>B</a:t>
+            </a:r>
+            <a:r>
+              <a:rPr lang="en-US" altLang="ko-KR" sz="2000" dirty="0" smtClean="0">
+                <a:solidFill>
+                  <a:schemeClr val="bg1"/>
+                </a:solidFill>
+              </a:rPr>
+              <a:t>)</a:t>
+            </a:r>
+          </a:p>
+          <a:p>
+            <a:pPr lvl="1"/>
+            <a:r>
+              <a:rPr lang="en-US" altLang="ko-KR" sz="1600" dirty="0" smtClean="0">
+                <a:solidFill>
+                  <a:schemeClr val="bg1"/>
+                </a:solidFill>
+              </a:rPr>
+              <a:t>Tier1 : X </a:t>
+            </a:r>
+            <a:r>
+              <a:rPr lang="ko-KR" altLang="en-US" sz="1600" dirty="0" smtClean="0">
+                <a:solidFill>
+                  <a:schemeClr val="bg1"/>
+                </a:solidFill>
+              </a:rPr>
+              <a:t>스테이지마다 </a:t>
+            </a:r>
+            <a:r>
+              <a:rPr lang="en-US" altLang="ko-KR" sz="1600" dirty="0" smtClean="0">
+                <a:solidFill>
+                  <a:schemeClr val="bg1"/>
+                </a:solidFill>
+              </a:rPr>
+              <a:t>RGB </a:t>
+            </a:r>
+            <a:r>
+              <a:rPr lang="ko-KR" altLang="en-US" sz="1600" dirty="0" smtClean="0">
+                <a:solidFill>
+                  <a:schemeClr val="bg1"/>
+                </a:solidFill>
+              </a:rPr>
+              <a:t>랜덤으로 하나씩 획득</a:t>
+            </a:r>
+            <a:r>
+              <a:rPr lang="en-US" altLang="ko-KR" sz="1600" dirty="0" smtClean="0">
+                <a:solidFill>
+                  <a:schemeClr val="bg1"/>
+                </a:solidFill>
+              </a:rPr>
+              <a:t>.</a:t>
+            </a:r>
+          </a:p>
+          <a:p>
+            <a:pPr lvl="1"/>
+            <a:r>
+              <a:rPr lang="en-US" altLang="ko-KR" sz="1600" dirty="0" smtClean="0">
+                <a:solidFill>
+                  <a:schemeClr val="bg1"/>
+                </a:solidFill>
+              </a:rPr>
+              <a:t>Tier2 : Tier1 </a:t>
+            </a:r>
+            <a:r>
+              <a:rPr lang="ko-KR" altLang="en-US" sz="1600" dirty="0" smtClean="0">
+                <a:solidFill>
+                  <a:schemeClr val="bg1"/>
+                </a:solidFill>
+              </a:rPr>
+              <a:t>물감 두개를 합쳐서 만든다</a:t>
+            </a:r>
+            <a:r>
+              <a:rPr lang="en-US" altLang="ko-KR" sz="1600" dirty="0" smtClean="0">
+                <a:solidFill>
+                  <a:schemeClr val="bg1"/>
+                </a:solidFill>
+              </a:rPr>
+              <a:t>. </a:t>
+            </a:r>
+            <a:r>
+              <a:rPr lang="en-US" altLang="ko-KR" sz="1600" dirty="0" smtClean="0">
+                <a:solidFill>
+                  <a:schemeClr val="bg1"/>
+                </a:solidFill>
+              </a:rPr>
+              <a:t>6</a:t>
+            </a:r>
+            <a:r>
+              <a:rPr lang="ko-KR" altLang="en-US" sz="1600" dirty="0" smtClean="0">
+                <a:solidFill>
+                  <a:schemeClr val="bg1"/>
+                </a:solidFill>
+              </a:rPr>
+              <a:t>종류 각각 특별한 타워로 업그레이드 시킬수 있음</a:t>
+            </a:r>
+            <a:r>
+              <a:rPr lang="en-US" altLang="ko-KR" sz="1600" dirty="0" smtClean="0">
+                <a:solidFill>
+                  <a:schemeClr val="bg1"/>
+                </a:solidFill>
+              </a:rPr>
+              <a:t>.</a:t>
+            </a:r>
+          </a:p>
+          <a:p>
+            <a:pPr lvl="1"/>
+            <a:r>
+              <a:rPr lang="en-US" altLang="ko-KR" sz="1600" dirty="0" smtClean="0">
+                <a:solidFill>
+                  <a:schemeClr val="bg1"/>
+                </a:solidFill>
+              </a:rPr>
+              <a:t>Tier3 : Tier2 </a:t>
+            </a:r>
+            <a:r>
+              <a:rPr lang="ko-KR" altLang="en-US" sz="1600" dirty="0" smtClean="0">
+                <a:solidFill>
+                  <a:schemeClr val="bg1"/>
+                </a:solidFill>
+              </a:rPr>
+              <a:t>물감 두개 이상을 합쳐서 만든다</a:t>
+            </a:r>
+            <a:r>
+              <a:rPr lang="en-US" altLang="ko-KR" sz="1600" dirty="0" smtClean="0">
+                <a:solidFill>
+                  <a:schemeClr val="bg1"/>
+                </a:solidFill>
+              </a:rPr>
+              <a:t>. </a:t>
+            </a:r>
+            <a:r>
+              <a:rPr lang="ko-KR" altLang="en-US" sz="1600" dirty="0" smtClean="0">
+                <a:solidFill>
+                  <a:schemeClr val="bg1"/>
+                </a:solidFill>
+              </a:rPr>
+              <a:t>다만 아무 조합이나 가능한 것이 아니라 특정 조합법을 해금해야만 가능하며</a:t>
+            </a:r>
+            <a:r>
+              <a:rPr lang="en-US" altLang="ko-KR" sz="1600" dirty="0" smtClean="0">
+                <a:solidFill>
+                  <a:schemeClr val="bg1"/>
+                </a:solidFill>
+              </a:rPr>
+              <a:t>, </a:t>
+            </a:r>
+            <a:r>
+              <a:rPr lang="ko-KR" altLang="en-US" sz="1600" dirty="0" smtClean="0">
+                <a:solidFill>
+                  <a:schemeClr val="bg1"/>
+                </a:solidFill>
+              </a:rPr>
+              <a:t>졸라 쎔</a:t>
+            </a:r>
+            <a:r>
+              <a:rPr lang="en-US" altLang="ko-KR" sz="1600" dirty="0" smtClean="0">
+                <a:solidFill>
+                  <a:schemeClr val="bg1"/>
+                </a:solidFill>
+              </a:rPr>
+              <a:t>.</a:t>
+            </a:r>
+            <a:endParaRPr lang="en-US" altLang="ko-KR" sz="1600" dirty="0" smtClean="0">
+              <a:solidFill>
+                <a:schemeClr val="bg1"/>
+              </a:solidFill>
+            </a:endParaRPr>
+          </a:p>
+          <a:p>
+            <a:endParaRPr lang="en-US" altLang="ko-KR" sz="2400" dirty="0" smtClean="0">
+              <a:solidFill>
+                <a:schemeClr val="bg1"/>
+              </a:solidFill>
+            </a:endParaRPr>
+          </a:p>
+          <a:p>
+            <a:r>
+              <a:rPr lang="en-US" altLang="ko-KR" sz="2400" dirty="0" smtClean="0">
+                <a:solidFill>
+                  <a:schemeClr val="bg1"/>
+                </a:solidFill>
+              </a:rPr>
+              <a:t>Enchant</a:t>
+            </a:r>
+          </a:p>
+          <a:p>
+            <a:pPr lvl="1"/>
+            <a:r>
+              <a:rPr lang="en-US" altLang="ko-KR" sz="1600" dirty="0" smtClean="0">
+                <a:solidFill>
+                  <a:schemeClr val="bg1"/>
+                </a:solidFill>
+              </a:rPr>
+              <a:t>Tier2 </a:t>
+            </a:r>
+            <a:r>
+              <a:rPr lang="ko-KR" altLang="en-US" sz="1600" dirty="0" smtClean="0">
+                <a:solidFill>
+                  <a:schemeClr val="bg1"/>
+                </a:solidFill>
+              </a:rPr>
+              <a:t>물감을 소모해서 타워를 추가적으로 업그레이드 가능</a:t>
+            </a:r>
+            <a:r>
+              <a:rPr lang="en-US" altLang="ko-KR" sz="1600" dirty="0" smtClean="0">
+                <a:solidFill>
+                  <a:schemeClr val="bg1"/>
+                </a:solidFill>
+              </a:rPr>
+              <a:t>. </a:t>
+            </a:r>
+            <a:endParaRPr lang="en-US" altLang="ko-KR" sz="1600" dirty="0">
+              <a:solidFill>
+                <a:schemeClr val="bg1"/>
+              </a:solidFill>
+            </a:endParaRPr>
+          </a:p>
+          <a:p>
+            <a:pPr lvl="1"/>
+            <a:r>
+              <a:rPr lang="en-US" altLang="ko-KR" sz="1600" dirty="0" smtClean="0">
+                <a:solidFill>
+                  <a:schemeClr val="bg1"/>
+                </a:solidFill>
+              </a:rPr>
+              <a:t>Enchant</a:t>
+            </a:r>
+            <a:r>
+              <a:rPr lang="ko-KR" altLang="en-US" sz="1600" dirty="0" smtClean="0">
+                <a:solidFill>
+                  <a:schemeClr val="bg1"/>
+                </a:solidFill>
+              </a:rPr>
+              <a:t>는 제한없이 계속 가능하다</a:t>
+            </a:r>
+            <a:r>
+              <a:rPr lang="en-US" altLang="ko-KR" sz="1600" dirty="0" smtClean="0">
+                <a:solidFill>
+                  <a:schemeClr val="bg1"/>
+                </a:solidFill>
+              </a:rPr>
+              <a:t>.</a:t>
+            </a:r>
+            <a:endParaRPr lang="ko-KR" altLang="en-US" sz="1600" dirty="0">
+              <a:solidFill>
+                <a:schemeClr val="bg1"/>
+              </a:solidFill>
+            </a:endParaRPr>
+          </a:p>
+        </p:txBody>
+      </p:sp>
+    </p:spTree>
+    <p:extLst>
+      <p:ext uri="{BB962C8B-B14F-4D97-AF65-F5344CB8AC3E}">
+        <p14:creationId xmlns:p14="http://schemas.microsoft.com/office/powerpoint/2010/main" val="2335909272"/>
+      </p:ext>
+    </p:extLst>
+  </p:cSld>
+  <p:clrMapOvr>
+    <a:masterClrMapping/>
+  </p:clrMapOvr>
+</p:sld>
+</file>
+
+<file path=ppt/slides/slide5.xml><?xml version="1.0" encoding="utf-8"?>
+<p:sld xmlns:a="http://schemas.openxmlformats.org/drawingml/2006/main" xmlns:r="http://schemas.openxmlformats.org/officeDocument/2006/relationships" xmlns:p="http://schemas.openxmlformats.org/presentationml/2006/main">
+  <p:cSld>
+    <p:spTree>
+      <p:nvGrpSpPr>
+        <p:cNvPr id="1" name=""/>
+        <p:cNvGrpSpPr/>
+        <p:nvPr/>
+      </p:nvGrpSpPr>
+      <p:grpSpPr>
+        <a:xfrm>
+          <a:off x="0" y="0"/>
+          <a:ext cx="0" cy="0"/>
+          <a:chOff x="0" y="0"/>
+          <a:chExt cx="0" cy="0"/>
+        </a:xfrm>
+      </p:grpSpPr>
+      <p:sp>
+        <p:nvSpPr>
+          <p:cNvPr id="2" name="Title 1"/>
+          <p:cNvSpPr>
+            <a:spLocks noGrp="1"/>
+          </p:cNvSpPr>
+          <p:nvPr>
+            <p:ph type="title"/>
+          </p:nvPr>
+        </p:nvSpPr>
+        <p:spPr/>
+        <p:txBody>
+          <a:bodyPr/>
+          <a:lstStyle/>
+          <a:p>
+            <a:r>
+              <a:rPr lang="ko-KR" altLang="en-US" dirty="0" smtClean="0">
+                <a:solidFill>
+                  <a:schemeClr val="bg1"/>
+                </a:solidFill>
+              </a:rPr>
+              <a:t>물감</a:t>
+            </a:r>
+            <a:endParaRPr lang="ko-KR" altLang="en-US" dirty="0">
+              <a:solidFill>
+                <a:schemeClr val="bg1"/>
+              </a:solidFill>
+            </a:endParaRPr>
+          </a:p>
+        </p:txBody>
+      </p:sp>
+      <p:sp>
+        <p:nvSpPr>
+          <p:cNvPr id="3" name="Content Placeholder 2"/>
+          <p:cNvSpPr>
+            <a:spLocks noGrp="1"/>
+          </p:cNvSpPr>
+          <p:nvPr>
+            <p:ph idx="1"/>
+          </p:nvPr>
+        </p:nvSpPr>
+        <p:spPr/>
+        <p:txBody>
+          <a:bodyPr>
+            <a:normAutofit/>
+          </a:bodyPr>
+          <a:lstStyle/>
+          <a:p>
+            <a:r>
+              <a:rPr lang="ko-KR" altLang="en-US" sz="1800" dirty="0" smtClean="0">
+                <a:solidFill>
+                  <a:schemeClr val="bg1"/>
+                </a:solidFill>
+              </a:rPr>
+              <a:t>흰색 타워에 칠해서 특별한 타워로 만들어주는 본 게임의 핵심 원소</a:t>
+            </a:r>
+            <a:r>
+              <a:rPr lang="en-US" altLang="ko-KR" sz="1800" dirty="0" smtClean="0">
+                <a:solidFill>
+                  <a:schemeClr val="bg1"/>
+                </a:solidFill>
+              </a:rPr>
+              <a:t>.</a:t>
+            </a:r>
+            <a:endParaRPr lang="en-US" altLang="ko-KR" sz="1800" dirty="0" smtClean="0"/>
+          </a:p>
+          <a:p>
+            <a:r>
+              <a:rPr lang="en-US" altLang="ko-KR" sz="1800" dirty="0" smtClean="0">
+                <a:solidFill>
+                  <a:schemeClr val="bg1"/>
+                </a:solidFill>
+              </a:rPr>
+              <a:t>RGB </a:t>
+            </a:r>
+            <a:r>
+              <a:rPr lang="ko-KR" altLang="en-US" sz="1800" dirty="0" smtClean="0">
+                <a:solidFill>
+                  <a:schemeClr val="bg1"/>
+                </a:solidFill>
+              </a:rPr>
+              <a:t>세 종류가 있고</a:t>
+            </a:r>
+            <a:r>
+              <a:rPr lang="en-US" altLang="ko-KR" sz="1800" dirty="0" smtClean="0">
+                <a:solidFill>
+                  <a:schemeClr val="bg1"/>
+                </a:solidFill>
+              </a:rPr>
+              <a:t>, X</a:t>
+            </a:r>
+            <a:r>
+              <a:rPr lang="ko-KR" altLang="en-US" sz="1800" dirty="0" smtClean="0">
+                <a:solidFill>
+                  <a:schemeClr val="bg1"/>
+                </a:solidFill>
+              </a:rPr>
+              <a:t>스테이지마다 랜덤하게 하나씩 획득한다</a:t>
+            </a:r>
+            <a:r>
+              <a:rPr lang="en-US" altLang="ko-KR" sz="1800" dirty="0" smtClean="0">
+                <a:solidFill>
+                  <a:schemeClr val="bg1"/>
+                </a:solidFill>
+              </a:rPr>
+              <a:t>.</a:t>
+            </a:r>
+          </a:p>
+          <a:p>
+            <a:pPr lvl="1"/>
+            <a:r>
+              <a:rPr lang="ko-KR" altLang="en-US" sz="1400" dirty="0" smtClean="0">
+                <a:solidFill>
+                  <a:schemeClr val="bg1"/>
+                </a:solidFill>
+              </a:rPr>
+              <a:t>랜덤하게 획득해야 다양한 타워를 사용하게 되고 실력 갓</a:t>
+            </a:r>
+            <a:r>
+              <a:rPr lang="en-US" altLang="ko-KR" sz="1400" dirty="0" smtClean="0">
+                <a:solidFill>
+                  <a:schemeClr val="bg1"/>
+                </a:solidFill>
+              </a:rPr>
+              <a:t>-</a:t>
+            </a:r>
+            <a:r>
+              <a:rPr lang="ko-KR" altLang="en-US" sz="1400" dirty="0" smtClean="0">
+                <a:solidFill>
+                  <a:schemeClr val="bg1"/>
+                </a:solidFill>
+              </a:rPr>
+              <a:t>흥겜이 된다</a:t>
+            </a:r>
+            <a:r>
+              <a:rPr lang="en-US" altLang="ko-KR" sz="1400" dirty="0" smtClean="0">
+                <a:solidFill>
+                  <a:schemeClr val="bg1"/>
+                </a:solidFill>
+              </a:rPr>
+              <a:t>.</a:t>
+            </a:r>
+          </a:p>
+          <a:p>
+            <a:pPr lvl="1"/>
+            <a:r>
+              <a:rPr lang="ko-KR" altLang="en-US" sz="1400" dirty="0" smtClean="0">
+                <a:solidFill>
+                  <a:schemeClr val="bg1"/>
+                </a:solidFill>
+              </a:rPr>
+              <a:t>원하는 타워를 모두 짓지 못하고</a:t>
+            </a:r>
+            <a:r>
+              <a:rPr lang="en-US" altLang="ko-KR" sz="1400" dirty="0" smtClean="0">
+                <a:solidFill>
+                  <a:schemeClr val="bg1"/>
+                </a:solidFill>
+              </a:rPr>
+              <a:t>, </a:t>
+            </a:r>
+            <a:r>
+              <a:rPr lang="ko-KR" altLang="en-US" sz="1400" dirty="0" smtClean="0">
+                <a:solidFill>
+                  <a:schemeClr val="bg1"/>
+                </a:solidFill>
+              </a:rPr>
+              <a:t>나오는 물감에 따라서 적절히 판단해야 하는게 핵심요소</a:t>
+            </a:r>
+            <a:r>
+              <a:rPr lang="en-US" altLang="ko-KR" sz="1400" dirty="0" smtClean="0">
+                <a:solidFill>
+                  <a:schemeClr val="bg1"/>
+                </a:solidFill>
+              </a:rPr>
+              <a:t>. </a:t>
+            </a:r>
+            <a:r>
+              <a:rPr lang="ko-KR" altLang="en-US" sz="1400" dirty="0" smtClean="0">
+                <a:solidFill>
+                  <a:schemeClr val="bg1"/>
+                </a:solidFill>
+              </a:rPr>
+              <a:t>그래서 </a:t>
+            </a:r>
+            <a:r>
+              <a:rPr lang="en-US" altLang="ko-KR" sz="1400" dirty="0" smtClean="0">
+                <a:solidFill>
+                  <a:schemeClr val="bg1"/>
+                </a:solidFill>
+              </a:rPr>
+              <a:t>X</a:t>
+            </a:r>
+            <a:r>
+              <a:rPr lang="ko-KR" altLang="en-US" sz="1400" dirty="0" smtClean="0">
+                <a:solidFill>
+                  <a:schemeClr val="bg1"/>
+                </a:solidFill>
+              </a:rPr>
+              <a:t>값을 적절히 조절해 너무 많은 물감을 얻지 못하게 한다</a:t>
+            </a:r>
+            <a:r>
+              <a:rPr lang="en-US" altLang="ko-KR" sz="1400" dirty="0" smtClean="0">
+                <a:solidFill>
+                  <a:schemeClr val="bg1"/>
+                </a:solidFill>
+              </a:rPr>
+              <a:t>.</a:t>
+            </a:r>
+          </a:p>
+          <a:p>
+            <a:pPr lvl="1"/>
+            <a:endParaRPr lang="en-US" altLang="ko-KR" sz="1400" dirty="0">
+              <a:solidFill>
+                <a:schemeClr val="bg1"/>
+              </a:solidFill>
+            </a:endParaRPr>
+          </a:p>
+          <a:p>
+            <a:r>
+              <a:rPr lang="en-US" altLang="ko-KR" sz="1800" dirty="0" smtClean="0">
+                <a:solidFill>
+                  <a:schemeClr val="bg1"/>
+                </a:solidFill>
+              </a:rPr>
+              <a:t>Tier1: X </a:t>
+            </a:r>
+            <a:r>
+              <a:rPr lang="ko-KR" altLang="en-US" sz="1800" dirty="0" smtClean="0">
+                <a:solidFill>
+                  <a:schemeClr val="bg1"/>
+                </a:solidFill>
+              </a:rPr>
+              <a:t>스테이지마다 랜덤으로 얻는 기본 물감</a:t>
+            </a:r>
+            <a:r>
+              <a:rPr lang="en-US" altLang="ko-KR" sz="1800" dirty="0" smtClean="0">
+                <a:solidFill>
+                  <a:schemeClr val="bg1"/>
+                </a:solidFill>
+              </a:rPr>
+              <a:t>. </a:t>
+            </a:r>
+            <a:r>
+              <a:rPr lang="ko-KR" altLang="en-US" sz="1800" dirty="0" smtClean="0">
+                <a:solidFill>
+                  <a:schemeClr val="bg1"/>
+                </a:solidFill>
+              </a:rPr>
+              <a:t>타워에 칠하면 속성만 추가되고 다이나믹한 효과는 생기지 않는다</a:t>
+            </a:r>
+            <a:r>
+              <a:rPr lang="en-US" altLang="ko-KR" sz="1800" dirty="0" smtClean="0">
+                <a:solidFill>
+                  <a:schemeClr val="bg1"/>
+                </a:solidFill>
+              </a:rPr>
+              <a:t>.</a:t>
+            </a:r>
+          </a:p>
+          <a:p>
+            <a:endParaRPr lang="en-US" altLang="ko-KR" sz="1800" dirty="0">
+              <a:solidFill>
+                <a:schemeClr val="bg1"/>
+              </a:solidFill>
+            </a:endParaRPr>
+          </a:p>
+          <a:p>
+            <a:r>
+              <a:rPr lang="en-US" altLang="ko-KR" sz="1800" dirty="0" smtClean="0">
+                <a:solidFill>
+                  <a:schemeClr val="bg1"/>
+                </a:solidFill>
+              </a:rPr>
+              <a:t>Tier2: Tier1</a:t>
+            </a:r>
+            <a:r>
+              <a:rPr lang="ko-KR" altLang="en-US" sz="1800" dirty="0" smtClean="0">
+                <a:solidFill>
+                  <a:schemeClr val="bg1"/>
+                </a:solidFill>
+              </a:rPr>
+              <a:t>물감을 두 개 조합해 나오는 </a:t>
+            </a:r>
+            <a:r>
+              <a:rPr lang="en-US" altLang="ko-KR" sz="1800" dirty="0" smtClean="0">
+                <a:solidFill>
+                  <a:schemeClr val="bg1"/>
+                </a:solidFill>
+              </a:rPr>
+              <a:t>6</a:t>
+            </a:r>
+            <a:r>
+              <a:rPr lang="ko-KR" altLang="en-US" sz="1800" dirty="0" smtClean="0">
+                <a:solidFill>
+                  <a:schemeClr val="bg1"/>
+                </a:solidFill>
+              </a:rPr>
+              <a:t>가지 색 물감</a:t>
+            </a:r>
+            <a:r>
+              <a:rPr lang="en-US" altLang="ko-KR" sz="1800" dirty="0" smtClean="0">
+                <a:solidFill>
+                  <a:schemeClr val="bg1"/>
+                </a:solidFill>
+              </a:rPr>
+              <a:t>. </a:t>
+            </a:r>
+            <a:r>
+              <a:rPr lang="ko-KR" altLang="en-US" sz="1800" dirty="0" smtClean="0">
+                <a:solidFill>
+                  <a:schemeClr val="bg1"/>
+                </a:solidFill>
+              </a:rPr>
+              <a:t>타워에 칠하면 특별한 타워로 업그레이드된다</a:t>
+            </a:r>
+            <a:r>
+              <a:rPr lang="en-US" altLang="ko-KR" sz="1800" dirty="0" smtClean="0">
+                <a:solidFill>
+                  <a:schemeClr val="bg1"/>
+                </a:solidFill>
+              </a:rPr>
+              <a:t>. </a:t>
+            </a:r>
+            <a:r>
+              <a:rPr lang="ko-KR" altLang="en-US" sz="1800" dirty="0" smtClean="0">
+                <a:solidFill>
+                  <a:schemeClr val="bg1"/>
+                </a:solidFill>
+              </a:rPr>
+              <a:t>타워 모양도 바뀜</a:t>
+            </a:r>
+            <a:r>
+              <a:rPr lang="en-US" altLang="ko-KR" sz="1800" dirty="0" smtClean="0">
+                <a:solidFill>
+                  <a:schemeClr val="bg1"/>
+                </a:solidFill>
+              </a:rPr>
+              <a:t>.</a:t>
+            </a:r>
+          </a:p>
+          <a:p>
+            <a:endParaRPr lang="en-US" altLang="ko-KR" sz="1800" dirty="0">
+              <a:solidFill>
+                <a:schemeClr val="bg1"/>
+              </a:solidFill>
+            </a:endParaRPr>
+          </a:p>
+          <a:p>
+            <a:r>
+              <a:rPr lang="en-US" altLang="ko-KR" sz="1800" dirty="0" smtClean="0">
+                <a:solidFill>
+                  <a:schemeClr val="bg1"/>
+                </a:solidFill>
+              </a:rPr>
+              <a:t>Tier3: Tier2</a:t>
+            </a:r>
+            <a:r>
+              <a:rPr lang="ko-KR" altLang="en-US" sz="1800" dirty="0" smtClean="0">
+                <a:solidFill>
+                  <a:schemeClr val="bg1"/>
+                </a:solidFill>
+              </a:rPr>
+              <a:t>물감을 여러개 조합해 나온다</a:t>
+            </a:r>
+            <a:r>
+              <a:rPr lang="en-US" altLang="ko-KR" sz="1800" dirty="0" smtClean="0">
+                <a:solidFill>
+                  <a:schemeClr val="bg1"/>
+                </a:solidFill>
+              </a:rPr>
+              <a:t>. </a:t>
+            </a:r>
+            <a:r>
+              <a:rPr lang="ko-KR" altLang="en-US" sz="1800" dirty="0" smtClean="0">
+                <a:solidFill>
+                  <a:schemeClr val="bg1"/>
+                </a:solidFill>
+              </a:rPr>
+              <a:t>아무 조합이나 가능하지 않고 업적을 깨 조합법을 해금해야 제작할 수 있다</a:t>
+            </a:r>
+            <a:r>
+              <a:rPr lang="en-US" altLang="ko-KR" sz="1800" dirty="0" smtClean="0">
+                <a:solidFill>
+                  <a:schemeClr val="bg1"/>
+                </a:solidFill>
+              </a:rPr>
+              <a:t>. </a:t>
+            </a:r>
+            <a:r>
+              <a:rPr lang="ko-KR" altLang="en-US" sz="1800" dirty="0" smtClean="0">
+                <a:solidFill>
+                  <a:schemeClr val="bg1"/>
+                </a:solidFill>
+              </a:rPr>
+              <a:t>타워에 칠하면 매우 특별한 효과를 가지는 타워가 된다</a:t>
+            </a:r>
+            <a:r>
+              <a:rPr lang="en-US" altLang="ko-KR" sz="1800" dirty="0" smtClean="0">
+                <a:solidFill>
+                  <a:schemeClr val="bg1"/>
+                </a:solidFill>
+              </a:rPr>
+              <a:t>.</a:t>
+            </a:r>
+          </a:p>
+          <a:p>
+            <a:endParaRPr lang="en-US" altLang="ko-KR" sz="1800" dirty="0">
+              <a:solidFill>
+                <a:schemeClr val="bg1"/>
+              </a:solidFill>
+            </a:endParaRPr>
+          </a:p>
+        </p:txBody>
+      </p:sp>
+    </p:spTree>
+    <p:extLst>
+      <p:ext uri="{BB962C8B-B14F-4D97-AF65-F5344CB8AC3E}">
+        <p14:creationId xmlns:p14="http://schemas.microsoft.com/office/powerpoint/2010/main" val="426302530"/>
+      </p:ext>
+    </p:extLst>
+  </p:cSld>
+  <p:clrMapOvr>
+    <a:masterClrMapping/>
+  </p:clrMapOvr>
+</p:sld>
+</file>
+
+<file path=ppt/slides/slide6.xml><?xml version="1.0" encoding="utf-8"?>
+<p:sld xmlns:a="http://schemas.openxmlformats.org/drawingml/2006/main" xmlns:r="http://schemas.openxmlformats.org/officeDocument/2006/relationships" xmlns:p="http://schemas.openxmlformats.org/presentationml/2006/main">
+  <p:cSld>
+    <p:spTree>
+      <p:nvGrpSpPr>
+        <p:cNvPr id="1" name=""/>
+        <p:cNvGrpSpPr/>
+        <p:nvPr/>
+      </p:nvGrpSpPr>
+      <p:grpSpPr>
+        <a:xfrm>
+          <a:off x="0" y="0"/>
+          <a:ext cx="0" cy="0"/>
+          <a:chOff x="0" y="0"/>
+          <a:chExt cx="0" cy="0"/>
+        </a:xfrm>
+      </p:grpSpPr>
+      <p:sp>
+        <p:nvSpPr>
+          <p:cNvPr id="2" name="Title 1"/>
+          <p:cNvSpPr>
+            <a:spLocks noGrp="1"/>
+          </p:cNvSpPr>
+          <p:nvPr>
+            <p:ph type="title"/>
+          </p:nvPr>
+        </p:nvSpPr>
+        <p:spPr/>
+        <p:txBody>
+          <a:bodyPr/>
+          <a:lstStyle/>
+          <a:p>
+            <a:r>
+              <a:rPr lang="en-US" altLang="ko-KR" dirty="0" smtClean="0">
+                <a:solidFill>
+                  <a:schemeClr val="bg1"/>
+                </a:solidFill>
+              </a:rPr>
+              <a:t>Tier1 </a:t>
+            </a:r>
+            <a:r>
+              <a:rPr lang="ko-KR" altLang="en-US" dirty="0" smtClean="0">
+                <a:solidFill>
+                  <a:schemeClr val="bg1"/>
+                </a:solidFill>
+              </a:rPr>
+              <a:t>물감</a:t>
+            </a:r>
+            <a:endParaRPr lang="ko-KR" altLang="en-US" dirty="0">
+              <a:solidFill>
+                <a:schemeClr val="bg1"/>
+              </a:solidFill>
+            </a:endParaRPr>
+          </a:p>
+        </p:txBody>
+      </p:sp>
+      <p:grpSp>
+        <p:nvGrpSpPr>
+          <p:cNvPr id="4" name="Group 3"/>
+          <p:cNvGrpSpPr/>
+          <p:nvPr/>
+        </p:nvGrpSpPr>
+        <p:grpSpPr>
+          <a:xfrm>
+            <a:off x="3432562" y="1243985"/>
+            <a:ext cx="4518075" cy="4823921"/>
+            <a:chOff x="3432562" y="1243985"/>
+            <a:chExt cx="4518075" cy="4823921"/>
+          </a:xfrm>
+        </p:grpSpPr>
+        <p:sp>
+          <p:nvSpPr>
+            <p:cNvPr id="14" name="Oval 13"/>
+            <p:cNvSpPr/>
+            <p:nvPr/>
+          </p:nvSpPr>
+          <p:spPr>
+            <a:xfrm>
+              <a:off x="3432562" y="1580837"/>
+              <a:ext cx="4518075" cy="4487069"/>
+            </a:xfrm>
+            <a:prstGeom prst="ellipse">
+              <a:avLst/>
+            </a:prstGeom>
+            <a:noFill/>
+            <a:ln>
+              <a:solidFill>
+                <a:schemeClr val="bg2"/>
+              </a:solidFill>
+            </a:ln>
+          </p:spPr>
+          <p:style>
+            <a:lnRef idx="2">
+              <a:schemeClr val="accent1">
+                <a:shade val="50000"/>
+              </a:schemeClr>
+            </a:lnRef>
+            <a:fillRef idx="1">
+              <a:schemeClr val="accent1"/>
+            </a:fillRef>
+            <a:effectRef idx="0">
+              <a:schemeClr val="accent1"/>
+            </a:effectRef>
+            <a:fontRef idx="minor">
+              <a:schemeClr val="lt1"/>
+            </a:fontRef>
+          </p:style>
+          <p:txBody>
+            <a:bodyPr rtlCol="0" anchor="ctr"/>
+            <a:lstStyle/>
+            <a:p>
+              <a:pPr algn="ctr"/>
+              <a:endParaRPr lang="ko-KR" altLang="en-US"/>
+            </a:p>
+          </p:txBody>
+        </p:sp>
+        <p:sp>
+          <p:nvSpPr>
+            <p:cNvPr id="11" name="Oval 10"/>
+            <p:cNvSpPr/>
+            <p:nvPr/>
+          </p:nvSpPr>
+          <p:spPr>
+            <a:xfrm>
+              <a:off x="5299236" y="1243985"/>
+              <a:ext cx="720000" cy="720000"/>
+            </a:xfrm>
+            <a:prstGeom prst="ellipse">
+              <a:avLst/>
+            </a:prstGeom>
+            <a:solidFill>
+              <a:srgbClr val="FF0000"/>
+            </a:solidFill>
+            <a:ln>
+              <a:noFill/>
+            </a:ln>
+          </p:spPr>
+          <p:style>
+            <a:lnRef idx="2">
+              <a:schemeClr val="accent1">
+                <a:shade val="50000"/>
+              </a:schemeClr>
+            </a:lnRef>
+            <a:fillRef idx="1">
+              <a:schemeClr val="accent1"/>
+            </a:fillRef>
+            <a:effectRef idx="0">
+              <a:schemeClr val="accent1"/>
+            </a:effectRef>
+            <a:fontRef idx="minor">
+              <a:schemeClr val="lt1"/>
+            </a:fontRef>
+          </p:style>
+          <p:txBody>
+            <a:bodyPr rtlCol="0" anchor="ctr"/>
+            <a:lstStyle/>
+            <a:p>
+              <a:pPr algn="ctr"/>
+              <a:r>
+                <a:rPr lang="en-US" altLang="ko-KR" dirty="0" smtClean="0"/>
+                <a:t>R</a:t>
+              </a:r>
+              <a:endParaRPr lang="ko-KR" altLang="en-US" dirty="0"/>
+            </a:p>
+          </p:txBody>
+        </p:sp>
+        <p:sp>
+          <p:nvSpPr>
+            <p:cNvPr id="12" name="Oval 11"/>
+            <p:cNvSpPr/>
+            <p:nvPr/>
+          </p:nvSpPr>
+          <p:spPr>
+            <a:xfrm>
+              <a:off x="7230637" y="4463663"/>
+              <a:ext cx="720000" cy="720000"/>
+            </a:xfrm>
+            <a:prstGeom prst="ellipse">
+              <a:avLst/>
+            </a:prstGeom>
+            <a:solidFill>
+              <a:srgbClr val="00B000"/>
+            </a:solidFill>
+            <a:ln>
+              <a:noFill/>
+            </a:ln>
+          </p:spPr>
+          <p:style>
+            <a:lnRef idx="2">
+              <a:schemeClr val="accent1">
+                <a:shade val="50000"/>
+              </a:schemeClr>
+            </a:lnRef>
+            <a:fillRef idx="1">
+              <a:schemeClr val="accent1"/>
+            </a:fillRef>
+            <a:effectRef idx="0">
+              <a:schemeClr val="accent1"/>
+            </a:effectRef>
+            <a:fontRef idx="minor">
+              <a:schemeClr val="lt1"/>
+            </a:fontRef>
+          </p:style>
+          <p:txBody>
+            <a:bodyPr rtlCol="0" anchor="ctr"/>
+            <a:lstStyle/>
+            <a:p>
+              <a:pPr algn="ctr"/>
+              <a:r>
+                <a:rPr lang="en-US" altLang="ko-KR" dirty="0" smtClean="0"/>
+                <a:t>G</a:t>
+              </a:r>
+              <a:endParaRPr lang="ko-KR" altLang="en-US" dirty="0"/>
+            </a:p>
+          </p:txBody>
+        </p:sp>
+        <p:sp>
+          <p:nvSpPr>
+            <p:cNvPr id="13" name="Oval 12"/>
+            <p:cNvSpPr/>
+            <p:nvPr/>
+          </p:nvSpPr>
+          <p:spPr>
+            <a:xfrm>
+              <a:off x="3432562" y="4463663"/>
+              <a:ext cx="720000" cy="720000"/>
+            </a:xfrm>
+            <a:prstGeom prst="ellipse">
+              <a:avLst/>
+            </a:prstGeom>
+            <a:solidFill>
+              <a:srgbClr val="0066FF"/>
+            </a:solidFill>
+            <a:ln>
+              <a:noFill/>
+            </a:ln>
+          </p:spPr>
+          <p:style>
+            <a:lnRef idx="2">
+              <a:schemeClr val="accent1">
+                <a:shade val="50000"/>
+              </a:schemeClr>
+            </a:lnRef>
+            <a:fillRef idx="1">
+              <a:schemeClr val="accent1"/>
+            </a:fillRef>
+            <a:effectRef idx="0">
+              <a:schemeClr val="accent1"/>
+            </a:effectRef>
+            <a:fontRef idx="minor">
+              <a:schemeClr val="lt1"/>
+            </a:fontRef>
+          </p:style>
+          <p:txBody>
+            <a:bodyPr rtlCol="0" anchor="ctr"/>
+            <a:lstStyle/>
+            <a:p>
+              <a:pPr algn="ctr"/>
+              <a:r>
+                <a:rPr lang="en-US" altLang="ko-KR" dirty="0" smtClean="0"/>
+                <a:t>B</a:t>
+              </a:r>
+              <a:endParaRPr lang="ko-KR" altLang="en-US" dirty="0"/>
+            </a:p>
+          </p:txBody>
+        </p:sp>
+      </p:grpSp>
+      <p:sp>
+        <p:nvSpPr>
+          <p:cNvPr id="3" name="TextBox 2"/>
+          <p:cNvSpPr txBox="1"/>
+          <p:nvPr/>
+        </p:nvSpPr>
+        <p:spPr>
+          <a:xfrm>
+            <a:off x="5299236" y="794050"/>
+            <a:ext cx="943763" cy="369332"/>
+          </a:xfrm>
+          <a:prstGeom prst="rect">
+            <a:avLst/>
+          </a:prstGeom>
+          <a:noFill/>
+        </p:spPr>
+        <p:txBody>
+          <a:bodyPr wrap="square" rtlCol="0">
+            <a:spAutoFit/>
+          </a:bodyPr>
+          <a:lstStyle/>
+          <a:p>
+            <a:r>
+              <a:rPr lang="en-US" altLang="ko-KR" dirty="0" smtClean="0">
+                <a:solidFill>
+                  <a:schemeClr val="bg1"/>
+                </a:solidFill>
+              </a:rPr>
+              <a:t>Strong</a:t>
+            </a:r>
+            <a:endParaRPr lang="ko-KR" altLang="en-US" dirty="0">
+              <a:solidFill>
+                <a:schemeClr val="bg1"/>
+              </a:solidFill>
+            </a:endParaRPr>
+          </a:p>
+        </p:txBody>
+      </p:sp>
+      <p:sp>
+        <p:nvSpPr>
+          <p:cNvPr id="17" name="TextBox 16"/>
+          <p:cNvSpPr txBox="1"/>
+          <p:nvPr/>
+        </p:nvSpPr>
+        <p:spPr>
+          <a:xfrm>
+            <a:off x="2094299" y="5071786"/>
+            <a:ext cx="1525201" cy="369332"/>
+          </a:xfrm>
+          <a:prstGeom prst="rect">
+            <a:avLst/>
+          </a:prstGeom>
+          <a:noFill/>
+        </p:spPr>
+        <p:txBody>
+          <a:bodyPr wrap="square" rtlCol="0">
+            <a:spAutoFit/>
+          </a:bodyPr>
+          <a:lstStyle/>
+          <a:p>
+            <a:r>
+              <a:rPr lang="en-US" altLang="ko-KR" dirty="0" smtClean="0">
+                <a:solidFill>
+                  <a:schemeClr val="bg1"/>
+                </a:solidFill>
+              </a:rPr>
+              <a:t>Slow enemy</a:t>
+            </a:r>
+            <a:endParaRPr lang="ko-KR" altLang="en-US" dirty="0">
+              <a:solidFill>
+                <a:schemeClr val="bg1"/>
+              </a:solidFill>
+            </a:endParaRPr>
+          </a:p>
+        </p:txBody>
+      </p:sp>
+      <p:sp>
+        <p:nvSpPr>
+          <p:cNvPr id="20" name="TextBox 19"/>
+          <p:cNvSpPr txBox="1"/>
+          <p:nvPr/>
+        </p:nvSpPr>
+        <p:spPr>
+          <a:xfrm>
+            <a:off x="7950637" y="4998997"/>
+            <a:ext cx="928275" cy="369332"/>
+          </a:xfrm>
+          <a:prstGeom prst="rect">
+            <a:avLst/>
+          </a:prstGeom>
+          <a:noFill/>
+        </p:spPr>
+        <p:txBody>
+          <a:bodyPr wrap="square" rtlCol="0">
+            <a:spAutoFit/>
+          </a:bodyPr>
+          <a:lstStyle/>
+          <a:p>
+            <a:r>
+              <a:rPr lang="en-US" altLang="ko-KR" dirty="0" smtClean="0">
+                <a:solidFill>
+                  <a:schemeClr val="bg1"/>
+                </a:solidFill>
+              </a:rPr>
+              <a:t>Poison</a:t>
+            </a:r>
+            <a:endParaRPr lang="ko-KR" altLang="en-US" dirty="0">
+              <a:solidFill>
+                <a:schemeClr val="bg1"/>
+              </a:solidFill>
+            </a:endParaRPr>
+          </a:p>
+        </p:txBody>
+      </p:sp>
+    </p:spTree>
+    <p:extLst>
+      <p:ext uri="{BB962C8B-B14F-4D97-AF65-F5344CB8AC3E}">
+        <p14:creationId xmlns:p14="http://schemas.microsoft.com/office/powerpoint/2010/main" val="2827480155"/>
+      </p:ext>
+    </p:extLst>
+  </p:cSld>
+  <p:clrMapOvr>
+    <a:masterClrMapping/>
+  </p:clrMapOvr>
+</p:sld>
+</file>
+
+<file path=ppt/slides/slide7.xml><?xml version="1.0" encoding="utf-8"?>
+<p:sld xmlns:a="http://schemas.openxmlformats.org/drawingml/2006/main" xmlns:r="http://schemas.openxmlformats.org/officeDocument/2006/relationships" xmlns:p="http://schemas.openxmlformats.org/presentationml/2006/main">
+  <p:cSld>
+    <p:spTree>
+      <p:nvGrpSpPr>
+        <p:cNvPr id="1" name=""/>
+        <p:cNvGrpSpPr/>
+        <p:nvPr/>
+      </p:nvGrpSpPr>
+      <p:grpSpPr>
+        <a:xfrm>
+          <a:off x="0" y="0"/>
+          <a:ext cx="0" cy="0"/>
+          <a:chOff x="0" y="0"/>
+          <a:chExt cx="0" cy="0"/>
+        </a:xfrm>
+      </p:grpSpPr>
+      <p:sp>
+        <p:nvSpPr>
+          <p:cNvPr id="2" name="Title 1"/>
+          <p:cNvSpPr>
+            <a:spLocks noGrp="1"/>
+          </p:cNvSpPr>
+          <p:nvPr>
+            <p:ph type="title"/>
+          </p:nvPr>
+        </p:nvSpPr>
+        <p:spPr/>
+        <p:txBody>
+          <a:bodyPr/>
+          <a:lstStyle/>
+          <a:p>
+            <a:r>
+              <a:rPr lang="en-US" altLang="ko-KR" dirty="0" smtClean="0">
+                <a:solidFill>
+                  <a:schemeClr val="bg1"/>
+                </a:solidFill>
+              </a:rPr>
+              <a:t>Tier2 </a:t>
+            </a:r>
+            <a:r>
+              <a:rPr lang="ko-KR" altLang="en-US" dirty="0" smtClean="0">
+                <a:solidFill>
+                  <a:schemeClr val="bg1"/>
+                </a:solidFill>
+              </a:rPr>
+              <a:t>물감</a:t>
+            </a:r>
+            <a:endParaRPr lang="ko-KR" altLang="en-US" dirty="0">
+              <a:solidFill>
+                <a:schemeClr val="bg1"/>
+              </a:solidFill>
+            </a:endParaRPr>
+          </a:p>
+        </p:txBody>
+      </p:sp>
+      <p:sp>
+        <p:nvSpPr>
+          <p:cNvPr id="3" name="TextBox 2"/>
+          <p:cNvSpPr txBox="1"/>
+          <p:nvPr/>
+        </p:nvSpPr>
+        <p:spPr>
+          <a:xfrm>
+            <a:off x="4729162" y="788315"/>
+            <a:ext cx="2733675" cy="369332"/>
+          </a:xfrm>
+          <a:prstGeom prst="rect">
+            <a:avLst/>
+          </a:prstGeom>
+          <a:noFill/>
+        </p:spPr>
+        <p:txBody>
+          <a:bodyPr wrap="square" rtlCol="0">
+            <a:spAutoFit/>
+          </a:bodyPr>
+          <a:lstStyle/>
+          <a:p>
+            <a:r>
+              <a:rPr lang="en-US" altLang="ko-KR" dirty="0" smtClean="0">
+                <a:solidFill>
+                  <a:schemeClr val="bg1"/>
+                </a:solidFill>
+              </a:rPr>
+              <a:t>Strong &amp; Slow + Ignite</a:t>
+            </a:r>
+            <a:endParaRPr lang="ko-KR" altLang="en-US" dirty="0">
+              <a:solidFill>
+                <a:schemeClr val="bg1"/>
+              </a:solidFill>
+            </a:endParaRPr>
+          </a:p>
+        </p:txBody>
+      </p:sp>
+      <p:sp>
+        <p:nvSpPr>
+          <p:cNvPr id="16" name="TextBox 15"/>
+          <p:cNvSpPr txBox="1"/>
+          <p:nvPr/>
+        </p:nvSpPr>
+        <p:spPr>
+          <a:xfrm>
+            <a:off x="7950637" y="1887083"/>
+            <a:ext cx="1955363" cy="369332"/>
+          </a:xfrm>
+          <a:prstGeom prst="rect">
+            <a:avLst/>
+          </a:prstGeom>
+          <a:noFill/>
+        </p:spPr>
+        <p:txBody>
+          <a:bodyPr wrap="square" rtlCol="0">
+            <a:spAutoFit/>
+          </a:bodyPr>
+          <a:lstStyle/>
+          <a:p>
+            <a:r>
+              <a:rPr lang="en-US" altLang="ko-KR" dirty="0" smtClean="0">
+                <a:solidFill>
+                  <a:schemeClr val="bg1"/>
+                </a:solidFill>
+              </a:rPr>
+              <a:t>Very fast attacks</a:t>
+            </a:r>
+            <a:endParaRPr lang="ko-KR" altLang="en-US" dirty="0">
+              <a:solidFill>
+                <a:schemeClr val="bg1"/>
+              </a:solidFill>
+            </a:endParaRPr>
+          </a:p>
+        </p:txBody>
+      </p:sp>
+      <p:sp>
+        <p:nvSpPr>
+          <p:cNvPr id="17" name="TextBox 16"/>
+          <p:cNvSpPr txBox="1"/>
+          <p:nvPr/>
+        </p:nvSpPr>
+        <p:spPr>
+          <a:xfrm>
+            <a:off x="1832944" y="5019494"/>
+            <a:ext cx="2733675" cy="369332"/>
+          </a:xfrm>
+          <a:prstGeom prst="rect">
+            <a:avLst/>
+          </a:prstGeom>
+          <a:noFill/>
+        </p:spPr>
+        <p:txBody>
+          <a:bodyPr wrap="square" rtlCol="0">
+            <a:spAutoFit/>
+          </a:bodyPr>
+          <a:lstStyle/>
+          <a:p>
+            <a:r>
+              <a:rPr lang="en-US" altLang="ko-KR" dirty="0" smtClean="0">
+                <a:solidFill>
+                  <a:schemeClr val="bg1"/>
+                </a:solidFill>
+              </a:rPr>
+              <a:t>Freeze enemy</a:t>
+            </a:r>
+            <a:endParaRPr lang="ko-KR" altLang="en-US" dirty="0">
+              <a:solidFill>
+                <a:schemeClr val="bg1"/>
+              </a:solidFill>
+            </a:endParaRPr>
+          </a:p>
+        </p:txBody>
+      </p:sp>
+      <p:sp>
+        <p:nvSpPr>
+          <p:cNvPr id="19" name="TextBox 18"/>
+          <p:cNvSpPr txBox="1"/>
+          <p:nvPr/>
+        </p:nvSpPr>
+        <p:spPr>
+          <a:xfrm>
+            <a:off x="1646006" y="2025599"/>
+            <a:ext cx="1851620" cy="369332"/>
+          </a:xfrm>
+          <a:prstGeom prst="rect">
+            <a:avLst/>
+          </a:prstGeom>
+          <a:noFill/>
+        </p:spPr>
+        <p:txBody>
+          <a:bodyPr wrap="square" rtlCol="0">
+            <a:spAutoFit/>
+          </a:bodyPr>
+          <a:lstStyle/>
+          <a:p>
+            <a:r>
+              <a:rPr lang="en-US" altLang="ko-KR" dirty="0" smtClean="0">
+                <a:solidFill>
+                  <a:schemeClr val="bg1"/>
+                </a:solidFill>
+              </a:rPr>
+              <a:t>Chain Lightning</a:t>
+            </a:r>
+            <a:endParaRPr lang="ko-KR" altLang="en-US" dirty="0">
+              <a:solidFill>
+                <a:schemeClr val="bg1"/>
+              </a:solidFill>
+            </a:endParaRPr>
+          </a:p>
+        </p:txBody>
+      </p:sp>
+      <p:sp>
+        <p:nvSpPr>
+          <p:cNvPr id="20" name="TextBox 19"/>
+          <p:cNvSpPr txBox="1"/>
+          <p:nvPr/>
+        </p:nvSpPr>
+        <p:spPr>
+          <a:xfrm>
+            <a:off x="8015700" y="4978574"/>
+            <a:ext cx="2395125" cy="369332"/>
+          </a:xfrm>
+          <a:prstGeom prst="rect">
+            <a:avLst/>
+          </a:prstGeom>
+          <a:noFill/>
+        </p:spPr>
+        <p:txBody>
+          <a:bodyPr wrap="square" rtlCol="0">
+            <a:spAutoFit/>
+          </a:bodyPr>
+          <a:lstStyle/>
+          <a:p>
+            <a:r>
+              <a:rPr lang="en-US" altLang="ko-KR" dirty="0" smtClean="0">
+                <a:solidFill>
+                  <a:schemeClr val="bg1"/>
+                </a:solidFill>
+              </a:rPr>
+              <a:t>Poison until death</a:t>
+            </a:r>
+            <a:endParaRPr lang="ko-KR" altLang="en-US" dirty="0">
+              <a:solidFill>
+                <a:schemeClr val="bg1"/>
+              </a:solidFill>
+            </a:endParaRPr>
+          </a:p>
+        </p:txBody>
+      </p:sp>
+      <p:sp>
+        <p:nvSpPr>
+          <p:cNvPr id="22" name="TextBox 21"/>
+          <p:cNvSpPr txBox="1"/>
+          <p:nvPr/>
+        </p:nvSpPr>
+        <p:spPr>
+          <a:xfrm>
+            <a:off x="5053012" y="6404758"/>
+            <a:ext cx="2409825" cy="369332"/>
+          </a:xfrm>
+          <a:prstGeom prst="rect">
+            <a:avLst/>
+          </a:prstGeom>
+          <a:noFill/>
+        </p:spPr>
+        <p:txBody>
+          <a:bodyPr wrap="square" rtlCol="0">
+            <a:spAutoFit/>
+          </a:bodyPr>
+          <a:lstStyle/>
+          <a:p>
+            <a:r>
+              <a:rPr lang="en-US" altLang="ko-KR" dirty="0" smtClean="0">
+                <a:solidFill>
+                  <a:schemeClr val="bg1"/>
+                </a:solidFill>
+              </a:rPr>
+              <a:t>Buffs nearby towers</a:t>
+            </a:r>
+            <a:endParaRPr lang="ko-KR" altLang="en-US" dirty="0">
+              <a:solidFill>
+                <a:schemeClr val="bg1"/>
+              </a:solidFill>
+            </a:endParaRPr>
+          </a:p>
+        </p:txBody>
+      </p:sp>
+      <p:sp>
+        <p:nvSpPr>
+          <p:cNvPr id="23" name="Oval 22"/>
           <p:cNvSpPr/>
           <p:nvPr/>
         </p:nvSpPr>
@@ -3489,44 +6579,13 @@
       </p:sp>
       <p:sp>
         <p:nvSpPr>
-          <p:cNvPr id="2" name="Title 1"/>
-          <p:cNvSpPr>
-            <a:spLocks noGrp="1"/>
-          </p:cNvSpPr>
-          <p:nvPr>
-            <p:ph type="title"/>
-          </p:nvPr>
-        </p:nvSpPr>
-        <p:spPr/>
-        <p:txBody>
-          <a:bodyPr/>
-          <a:lstStyle/>
-          <a:p>
-            <a:r>
-              <a:rPr lang="en-US" altLang="ko-KR" dirty="0" smtClean="0">
-                <a:solidFill>
-                  <a:schemeClr val="bg1"/>
-                </a:solidFill>
-              </a:rPr>
-              <a:t>Towers</a:t>
-            </a:r>
-            <a:endParaRPr lang="ko-KR" altLang="en-US" dirty="0">
-              <a:solidFill>
-                <a:schemeClr val="bg1"/>
-              </a:solidFill>
-            </a:endParaRPr>
-          </a:p>
-        </p:txBody>
-      </p:sp>
-      <p:sp>
-        <p:nvSpPr>
-          <p:cNvPr id="11" name="Oval 10"/>
+          <p:cNvPr id="24" name="Oval 23"/>
           <p:cNvSpPr/>
           <p:nvPr/>
         </p:nvSpPr>
         <p:spPr>
           <a:xfrm>
-            <a:off x="5299236" y="1243985"/>
+            <a:off x="5331599" y="1220837"/>
             <a:ext cx="720000" cy="720000"/>
           </a:xfrm>
           <a:prstGeom prst="ellipse">
@@ -3562,7 +6621,7 @@
             <a:pPr algn="ctr"/>
             <a:r>
               <a:rPr lang="en-US" altLang="ko-KR" dirty="0" smtClean="0"/>
-              <a:t>R</a:t>
+              <a:t>RR</a:t>
             </a:r>
             <a:endParaRPr lang="ko-KR" altLang="en-US" dirty="0"/>
           </a:p>
@@ -3570,7 +6629,7 @@
       </p:sp>
       <p:sp>
         <p:nvSpPr>
-          <p:cNvPr id="12" name="Oval 11"/>
+          <p:cNvPr id="25" name="Oval 24"/>
           <p:cNvSpPr/>
           <p:nvPr/>
         </p:nvSpPr>
@@ -3612,7 +6671,7 @@
             <a:pPr algn="ctr"/>
             <a:r>
               <a:rPr lang="en-US" altLang="ko-KR" dirty="0" smtClean="0"/>
-              <a:t>G</a:t>
+              <a:t>GG</a:t>
             </a:r>
             <a:endParaRPr lang="ko-KR" altLang="en-US" dirty="0"/>
           </a:p>
@@ -3620,13 +6679,13 @@
       </p:sp>
       <p:sp>
         <p:nvSpPr>
-          <p:cNvPr id="13" name="Oval 12"/>
+          <p:cNvPr id="26" name="Oval 25"/>
           <p:cNvSpPr/>
           <p:nvPr/>
         </p:nvSpPr>
         <p:spPr>
           <a:xfrm>
-            <a:off x="3432562" y="4463663"/>
+            <a:off x="3497625" y="4463663"/>
             <a:ext cx="720000" cy="720000"/>
           </a:xfrm>
           <a:prstGeom prst="ellipse">
@@ -3662,7 +6721,7 @@
             <a:pPr algn="ctr"/>
             <a:r>
               <a:rPr lang="en-US" altLang="ko-KR" dirty="0" smtClean="0"/>
-              <a:t>B</a:t>
+              <a:t>BB</a:t>
             </a:r>
             <a:endParaRPr lang="ko-KR" altLang="en-US" dirty="0"/>
           </a:p>
@@ -3670,122 +6729,158 @@
       </p:sp>
       <p:sp>
         <p:nvSpPr>
-          <p:cNvPr id="3" name="TextBox 2"/>
-          <p:cNvSpPr txBox="1"/>
+          <p:cNvPr id="27" name="Oval 26"/>
+          <p:cNvSpPr/>
           <p:nvPr/>
         </p:nvSpPr>
         <p:spPr>
           <a:xfrm>
-            <a:off x="5299236" y="794050"/>
-            <a:ext cx="943763" cy="369332"/>
+            <a:off x="3497625" y="2264190"/>
+            <a:ext cx="720000" cy="720000"/>
           </a:xfrm>
-          <a:prstGeom prst="rect">
+          <a:prstGeom prst="ellipse">
             <a:avLst/>
           </a:prstGeom>
-          <a:noFill/>
+          <a:solidFill>
+            <a:srgbClr val="B000B0"/>
+          </a:solidFill>
+          <a:ln>
+            <a:noFill/>
+          </a:ln>
         </p:spPr>
-        <p:txBody>
-          <a:bodyPr wrap="square" rtlCol="0">
-            <a:spAutoFit/>
-          </a:bodyPr>
-          <a:lstStyle/>
-          <a:p>
-            <a:r>
-              <a:rPr lang="en-US" altLang="ko-KR" dirty="0" smtClean="0">
-                <a:solidFill>
-                  <a:schemeClr val="bg1"/>
-                </a:solidFill>
-              </a:rPr>
-              <a:t>Strong</a:t>
-            </a:r>
-            <a:endParaRPr lang="ko-KR" altLang="en-US" dirty="0">
-              <a:solidFill>
-                <a:schemeClr val="bg1"/>
-              </a:solidFill>
-            </a:endParaRPr>
-          </a:p>
-        </p:txBody>
-      </p:sp>
-      <p:sp>
-        <p:nvSpPr>
-          <p:cNvPr id="17" name="TextBox 16"/>
-          <p:cNvSpPr txBox="1"/>
+        <p:style>
+          <a:lnRef idx="2">
+            <a:schemeClr val="accent1">
+              <a:shade val="50000"/>
+            </a:schemeClr>
+          </a:lnRef>
+          <a:fillRef idx="1">
+            <a:schemeClr val="accent1"/>
+          </a:fillRef>
+          <a:effectRef idx="0">
+            <a:schemeClr val="accent1"/>
+          </a:effectRef>
+          <a:fontRef idx="minor">
+            <a:schemeClr val="lt1"/>
+          </a:fontRef>
+        </p:style>
+        <p:txBody>
+          <a:bodyPr rtlCol="0" anchor="ctr"/>
+          <a:lstStyle/>
+          <a:p>
+            <a:pPr algn="ctr"/>
+            <a:r>
+              <a:rPr lang="en-US" altLang="ko-KR" dirty="0" smtClean="0"/>
+              <a:t>RG</a:t>
+            </a:r>
+            <a:endParaRPr lang="ko-KR" altLang="en-US" dirty="0"/>
+          </a:p>
+        </p:txBody>
+      </p:sp>
+      <p:sp>
+        <p:nvSpPr>
+          <p:cNvPr id="28" name="Oval 27"/>
+          <p:cNvSpPr/>
           <p:nvPr/>
         </p:nvSpPr>
         <p:spPr>
           <a:xfrm>
-            <a:off x="2094299" y="5071786"/>
-            <a:ext cx="1525201" cy="369332"/>
+            <a:off x="5331599" y="5684758"/>
+            <a:ext cx="720000" cy="720000"/>
           </a:xfrm>
-          <a:prstGeom prst="rect">
+          <a:prstGeom prst="ellipse">
             <a:avLst/>
           </a:prstGeom>
-          <a:noFill/>
+          <a:solidFill>
+            <a:srgbClr val="0E8C74"/>
+          </a:solidFill>
+          <a:ln>
+            <a:noFill/>
+          </a:ln>
         </p:spPr>
-        <p:txBody>
-          <a:bodyPr wrap="square" rtlCol="0">
-            <a:spAutoFit/>
-          </a:bodyPr>
-          <a:lstStyle/>
-          <a:p>
-            <a:r>
-              <a:rPr lang="en-US" altLang="ko-KR" dirty="0" smtClean="0">
-                <a:solidFill>
-                  <a:schemeClr val="bg1"/>
-                </a:solidFill>
-              </a:rPr>
-              <a:t>Slow enemy</a:t>
-            </a:r>
-            <a:endParaRPr lang="ko-KR" altLang="en-US" dirty="0">
-              <a:solidFill>
-                <a:schemeClr val="bg1"/>
-              </a:solidFill>
-            </a:endParaRPr>
-          </a:p>
-        </p:txBody>
-      </p:sp>
-      <p:sp>
-        <p:nvSpPr>
-          <p:cNvPr id="20" name="TextBox 19"/>
-          <p:cNvSpPr txBox="1"/>
+        <p:style>
+          <a:lnRef idx="2">
+            <a:schemeClr val="accent1">
+              <a:shade val="50000"/>
+            </a:schemeClr>
+          </a:lnRef>
+          <a:fillRef idx="1">
+            <a:schemeClr val="accent1"/>
+          </a:fillRef>
+          <a:effectRef idx="0">
+            <a:schemeClr val="accent1"/>
+          </a:effectRef>
+          <a:fontRef idx="minor">
+            <a:schemeClr val="lt1"/>
+          </a:fontRef>
+        </p:style>
+        <p:txBody>
+          <a:bodyPr rtlCol="0" anchor="ctr"/>
+          <a:lstStyle/>
+          <a:p>
+            <a:pPr algn="ctr"/>
+            <a:r>
+              <a:rPr lang="en-US" altLang="ko-KR" dirty="0" smtClean="0"/>
+              <a:t>BG</a:t>
+            </a:r>
+            <a:endParaRPr lang="ko-KR" altLang="en-US" dirty="0"/>
+          </a:p>
+        </p:txBody>
+      </p:sp>
+      <p:sp>
+        <p:nvSpPr>
+          <p:cNvPr id="29" name="Oval 28"/>
+          <p:cNvSpPr/>
           <p:nvPr/>
         </p:nvSpPr>
         <p:spPr>
           <a:xfrm>
-            <a:off x="7950637" y="4998997"/>
-            <a:ext cx="928275" cy="369332"/>
+            <a:off x="7230637" y="2210265"/>
+            <a:ext cx="720000" cy="720000"/>
           </a:xfrm>
-          <a:prstGeom prst="rect">
+          <a:prstGeom prst="ellipse">
             <a:avLst/>
           </a:prstGeom>
-          <a:noFill/>
+          <a:solidFill>
+            <a:srgbClr val="EBEB01"/>
+          </a:solidFill>
+          <a:ln>
+            <a:noFill/>
+          </a:ln>
         </p:spPr>
-        <p:txBody>
-          <a:bodyPr wrap="square" rtlCol="0">
-            <a:spAutoFit/>
-          </a:bodyPr>
-          <a:lstStyle/>
-          <a:p>
-            <a:r>
-              <a:rPr lang="en-US" altLang="ko-KR" dirty="0" smtClean="0">
-                <a:solidFill>
-                  <a:schemeClr val="bg1"/>
-                </a:solidFill>
-              </a:rPr>
-              <a:t>Poison</a:t>
-            </a:r>
-            <a:endParaRPr lang="ko-KR" altLang="en-US" dirty="0">
-              <a:solidFill>
-                <a:schemeClr val="bg1"/>
-              </a:solidFill>
-            </a:endParaRPr>
+        <p:style>
+          <a:lnRef idx="2">
+            <a:schemeClr val="accent1">
+              <a:shade val="50000"/>
+            </a:schemeClr>
+          </a:lnRef>
+          <a:fillRef idx="1">
+            <a:schemeClr val="accent1"/>
+          </a:fillRef>
+          <a:effectRef idx="0">
+            <a:schemeClr val="accent1"/>
+          </a:effectRef>
+          <a:fontRef idx="minor">
+            <a:schemeClr val="lt1"/>
+          </a:fontRef>
+        </p:style>
+        <p:txBody>
+          <a:bodyPr rtlCol="0" anchor="ctr"/>
+          <a:lstStyle/>
+          <a:p>
+            <a:pPr algn="ctr"/>
+            <a:r>
+              <a:rPr lang="en-US" altLang="ko-KR" dirty="0" smtClean="0"/>
+              <a:t>GR</a:t>
+            </a:r>
+            <a:endParaRPr lang="ko-KR" altLang="en-US" dirty="0"/>
           </a:p>
         </p:txBody>
       </p:sp>
     </p:spTree>
     <p:extLst>
       <p:ext uri="{BB962C8B-B14F-4D97-AF65-F5344CB8AC3E}">
-        <p14:creationId xmlns:p14="http://schemas.microsoft.com/office/powerpoint/2010/main" val="2827480155"/>
+        <p14:creationId xmlns:p14="http://schemas.microsoft.com/office/powerpoint/2010/main" val="3327992509"/>
       </p:ext>
     </p:extLst>
   </p:cSld>
@@ -3795,7 +6890,7 @@
 </p:sld>
 </file>
 
-<file path=ppt/slides/slide5.xml><?xml version="1.0" encoding="utf-8"?>
+<file path=ppt/slides/slide8.xml><?xml version="1.0" encoding="utf-8"?>
 <p:sld xmlns:a="http://schemas.openxmlformats.org/drawingml/2006/main" xmlns:r="http://schemas.openxmlformats.org/officeDocument/2006/relationships" xmlns:p="http://schemas.openxmlformats.org/presentationml/2006/main">
   <p:cSld>
     <p:spTree>
@@ -3833,7 +6928,15 @@
                   <a:schemeClr val="bg1"/>
                 </a:solidFill>
               </a:rPr>
-              <a:t>Towers</a:t>
+              <a:t>Tier3 </a:t>
+            </a:r>
+            <a:r>
+              <a:rPr lang="ko-KR" altLang="en-US" dirty="0" smtClean="0">
+                <a:solidFill>
+                  <a:schemeClr val="bg1"/>
+                </a:solidFill>
+              </a:rPr>
+              <a:t>물감</a:t>
             </a:r>
             <a:endParaRPr lang="ko-KR" altLang="en-US" dirty="0">
               <a:solidFill>
@@ -3845,235 +6948,175 @@
       </p:sp>
       <p:sp>
         <p:nvSpPr>
-          <p:cNvPr id="3" name="TextBox 2"/>
-          <p:cNvSpPr txBox="1"/>
+          <p:cNvPr id="24" name="Oval 23"/>
+          <p:cNvSpPr/>
           <p:nvPr/>
         </p:nvSpPr>
         <p:spPr>
           <a:xfrm>
-            <a:off x="4729162" y="788315"/>
-            <a:ext cx="2733675" cy="369332"/>
+            <a:off x="1468900" y="1642693"/>
+            <a:ext cx="720000" cy="720000"/>
           </a:xfrm>
-          <a:prstGeom prst="rect">
+          <a:prstGeom prst="ellipse">
             <a:avLst/>
           </a:prstGeom>
-          <a:noFill/>
+          <a:solidFill>
+            <a:schemeClr val="accent2"/>
+          </a:solidFill>
+          <a:ln>
+            <a:noFill/>
+          </a:ln>
         </p:spPr>
-        <p:txBody>
-          <a:bodyPr wrap="square" rtlCol="0">
-            <a:spAutoFit/>
-          </a:bodyPr>
-          <a:lstStyle/>
-          <a:p>
-            <a:r>
-              <a:rPr lang="en-US" altLang="ko-KR" dirty="0" smtClean="0">
-                <a:solidFill>
-                  <a:schemeClr val="bg1"/>
-                </a:solidFill>
-              </a:rPr>
-              <a:t>Strong &amp; Slow + Ignite</a:t>
-            </a:r>
-            <a:endParaRPr lang="ko-KR" altLang="en-US" dirty="0">
-              <a:solidFill>
-                <a:schemeClr val="bg1"/>
-              </a:solidFill>
-            </a:endParaRPr>
-          </a:p>
-        </p:txBody>
-      </p:sp>
-      <p:sp>
-        <p:nvSpPr>
-          <p:cNvPr id="16" name="TextBox 15"/>
-          <p:cNvSpPr txBox="1"/>
+        <p:style>
+          <a:lnRef idx="2">
+            <a:schemeClr val="accent1">
+              <a:shade val="50000"/>
+            </a:schemeClr>
+          </a:lnRef>
+          <a:fillRef idx="1">
+            <a:schemeClr val="accent1"/>
+          </a:fillRef>
+          <a:effectRef idx="0">
+            <a:schemeClr val="accent1"/>
+          </a:effectRef>
+          <a:fontRef idx="minor">
+            <a:schemeClr val="lt1"/>
+          </a:fontRef>
+        </p:style>
+        <p:txBody>
+          <a:bodyPr rtlCol="0" anchor="ctr"/>
+          <a:lstStyle/>
+          <a:p>
+            <a:pPr algn="ctr"/>
+            <a:endParaRPr lang="ko-KR" altLang="en-US" dirty="0"/>
+          </a:p>
+        </p:txBody>
+      </p:sp>
+      <p:sp>
+        <p:nvSpPr>
+          <p:cNvPr id="18" name="Oval 17"/>
+          <p:cNvSpPr/>
           <p:nvPr/>
         </p:nvSpPr>
         <p:spPr>
           <a:xfrm>
-            <a:off x="7950637" y="1887083"/>
-            <a:ext cx="1955363" cy="369332"/>
+            <a:off x="1468900" y="2760768"/>
+            <a:ext cx="720000" cy="720000"/>
           </a:xfrm>
-          <a:prstGeom prst="rect">
+          <a:prstGeom prst="ellipse">
             <a:avLst/>
           </a:prstGeom>
-          <a:noFill/>
+          <a:solidFill>
+            <a:srgbClr val="00BEC8"/>
+          </a:solidFill>
+          <a:ln>
+            <a:noFill/>
+          </a:ln>
         </p:spPr>
-        <p:txBody>
-          <a:bodyPr wrap="square" rtlCol="0">
-            <a:spAutoFit/>
-          </a:bodyPr>
-          <a:lstStyle/>
-          <a:p>
-            <a:r>
-              <a:rPr lang="en-US" altLang="ko-KR" dirty="0" smtClean="0">
-                <a:solidFill>
-                  <a:schemeClr val="bg1"/>
-                </a:solidFill>
-              </a:rPr>
-              <a:t>Very fast attacks</a:t>
-            </a:r>
-            <a:endParaRPr lang="ko-KR" altLang="en-US" dirty="0">
-              <a:solidFill>
-                <a:schemeClr val="bg1"/>
-              </a:solidFill>
-            </a:endParaRPr>
-          </a:p>
-        </p:txBody>
-      </p:sp>
-      <p:sp>
-        <p:nvSpPr>
-          <p:cNvPr id="17" name="TextBox 16"/>
-          <p:cNvSpPr txBox="1"/>
+        <p:style>
+          <a:lnRef idx="2">
+            <a:schemeClr val="accent1">
+              <a:shade val="50000"/>
+            </a:schemeClr>
+          </a:lnRef>
+          <a:fillRef idx="1">
+            <a:schemeClr val="accent1"/>
+          </a:fillRef>
+          <a:effectRef idx="0">
+            <a:schemeClr val="accent1"/>
+          </a:effectRef>
+          <a:fontRef idx="minor">
+            <a:schemeClr val="lt1"/>
+          </a:fontRef>
+        </p:style>
+        <p:txBody>
+          <a:bodyPr rtlCol="0" anchor="ctr"/>
+          <a:lstStyle/>
+          <a:p>
+            <a:pPr algn="ctr"/>
+            <a:endParaRPr lang="ko-KR" altLang="en-US" dirty="0"/>
+          </a:p>
+        </p:txBody>
+      </p:sp>
+      <p:sp>
+        <p:nvSpPr>
+          <p:cNvPr id="21" name="Oval 20"/>
+          <p:cNvSpPr/>
           <p:nvPr/>
         </p:nvSpPr>
         <p:spPr>
           <a:xfrm>
-            <a:off x="1832944" y="5019494"/>
-            <a:ext cx="2733675" cy="369332"/>
+            <a:off x="1468900" y="4058304"/>
+            <a:ext cx="720000" cy="720000"/>
           </a:xfrm>
-          <a:prstGeom prst="rect">
+          <a:prstGeom prst="ellipse">
             <a:avLst/>
           </a:prstGeom>
-          <a:noFill/>
+          <a:solidFill>
+            <a:srgbClr val="002060"/>
+          </a:solidFill>
+          <a:ln>
+            <a:noFill/>
+          </a:ln>
         </p:spPr>
-        <p:txBody>
-          <a:bodyPr wrap="square" rtlCol="0">
-            <a:spAutoFit/>
-          </a:bodyPr>
-          <a:lstStyle/>
-          <a:p>
-            <a:r>
-              <a:rPr lang="en-US" altLang="ko-KR" dirty="0" smtClean="0">
-                <a:solidFill>
-                  <a:schemeClr val="bg1"/>
-                </a:solidFill>
-              </a:rPr>
-              <a:t>Freeze enemy</a:t>
-            </a:r>
-            <a:endParaRPr lang="ko-KR" altLang="en-US" dirty="0">
-              <a:solidFill>
-                <a:schemeClr val="bg1"/>
-              </a:solidFill>
-            </a:endParaRPr>
-          </a:p>
-        </p:txBody>
-      </p:sp>
-      <p:sp>
-        <p:nvSpPr>
-          <p:cNvPr id="19" name="TextBox 18"/>
-          <p:cNvSpPr txBox="1"/>
-          <p:nvPr/>
-        </p:nvSpPr>
-        <p:spPr>
-          <a:xfrm>
-            <a:off x="1646006" y="2025599"/>
-            <a:ext cx="1851620" cy="369332"/>
-          </a:xfrm>
-          <a:prstGeom prst="rect">
-            <a:avLst/>
-          </a:prstGeom>
-          <a:noFill/>
-        </p:spPr>
-        <p:txBody>
-          <a:bodyPr wrap="square" rtlCol="0">
-            <a:spAutoFit/>
-          </a:bodyPr>
-          <a:lstStyle/>
-          <a:p>
-            <a:r>
-              <a:rPr lang="en-US" altLang="ko-KR" dirty="0" smtClean="0">
-                <a:solidFill>
-                  <a:schemeClr val="bg1"/>
-                </a:solidFill>
-              </a:rPr>
-              <a:t>Chain Lightning</a:t>
-            </a:r>
-            <a:endParaRPr lang="ko-KR" altLang="en-US" dirty="0">
-              <a:solidFill>
-                <a:schemeClr val="bg1"/>
-              </a:solidFill>
-            </a:endParaRPr>
-          </a:p>
-        </p:txBody>
-      </p:sp>
-      <p:sp>
-        <p:nvSpPr>
-          <p:cNvPr id="20" name="TextBox 19"/>
-          <p:cNvSpPr txBox="1"/>
-          <p:nvPr/>
-        </p:nvSpPr>
-        <p:spPr>
-          <a:xfrm>
-            <a:off x="8015700" y="4978574"/>
-            <a:ext cx="2395125" cy="369332"/>
-          </a:xfrm>
-          <a:prstGeom prst="rect">
-            <a:avLst/>
-          </a:prstGeom>
-          <a:noFill/>
-        </p:spPr>
-        <p:txBody>
-          <a:bodyPr wrap="square" rtlCol="0">
-            <a:spAutoFit/>
-          </a:bodyPr>
-          <a:lstStyle/>
-          <a:p>
-            <a:r>
-              <a:rPr lang="en-US" altLang="ko-KR" dirty="0" smtClean="0">
-                <a:solidFill>
-                  <a:schemeClr val="bg1"/>
-                </a:solidFill>
-              </a:rPr>
-              <a:t>Poison until death</a:t>
-            </a:r>
-            <a:endParaRPr lang="ko-KR" altLang="en-US" dirty="0">
-              <a:solidFill>
-                <a:schemeClr val="bg1"/>
-              </a:solidFill>
-            </a:endParaRPr>
-          </a:p>
-        </p:txBody>
-      </p:sp>
-      <p:sp>
-        <p:nvSpPr>
-          <p:cNvPr id="22" name="TextBox 21"/>
-          <p:cNvSpPr txBox="1"/>
-          <p:nvPr/>
-        </p:nvSpPr>
-        <p:spPr>
-          <a:xfrm>
-            <a:off x="5053012" y="6404758"/>
-            <a:ext cx="2409825" cy="369332"/>
-          </a:xfrm>
-          <a:prstGeom prst="rect">
-            <a:avLst/>
-          </a:prstGeom>
-          <a:noFill/>
-        </p:spPr>
-        <p:txBody>
-          <a:bodyPr wrap="square" rtlCol="0">
-            <a:spAutoFit/>
-          </a:bodyPr>
-          <a:lstStyle/>
-          <a:p>
-            <a:r>
-              <a:rPr lang="en-US" altLang="ko-KR" dirty="0" smtClean="0">
-                <a:solidFill>
-                  <a:schemeClr val="bg1"/>
-                </a:solidFill>
-              </a:rPr>
-              <a:t>Buffs nearby towers</a:t>
-            </a:r>
-            <a:endParaRPr lang="ko-KR" altLang="en-US" dirty="0">
-              <a:solidFill>
-                <a:schemeClr val="bg1"/>
-              </a:solidFill>
-            </a:endParaRPr>
-          </a:p>
-        </p:txBody>
-      </p:sp>
-      <p:sp>
-        <p:nvSpPr>
-          <p:cNvPr id="23" name="Oval 22"/>
+        <p:style>
+          <a:lnRef idx="2">
+            <a:schemeClr val="accent1">
+              <a:shade val="50000"/>
+            </a:schemeClr>
+          </a:lnRef>
+          <a:fillRef idx="1">
+            <a:schemeClr val="accent1"/>
+          </a:fillRef>
+          <a:effectRef idx="0">
+            <a:schemeClr val="accent1"/>
+          </a:effectRef>
+          <a:fontRef idx="minor">
+            <a:schemeClr val="lt1"/>
+          </a:fontRef>
+        </p:style>
+        <p:txBody>
+          <a:bodyPr rtlCol="0" anchor="ctr"/>
+          <a:lstStyle/>
+          <a:p>
+            <a:pPr algn="ctr"/>
+            <a:endParaRPr lang="ko-KR" altLang="en-US" dirty="0"/>
+          </a:p>
+        </p:txBody>
+      </p:sp>
+    </p:spTree>
+    <p:extLst>
+      <p:ext uri="{BB962C8B-B14F-4D97-AF65-F5344CB8AC3E}">
+        <p14:creationId xmlns:p14="http://schemas.microsoft.com/office/powerpoint/2010/main" val="2765159661"/>
+      </p:ext>
+    </p:extLst>
+  </p:cSld>
+  <p:clrMapOvr>
+    <a:masterClrMapping/>
+  </p:clrMapOvr>
+</p:sld>
+</file>
+
+<file path=ppt/slides/slide9.xml><?xml version="1.0" encoding="utf-8"?>
+<p:sld xmlns:a="http://schemas.openxmlformats.org/drawingml/2006/main" xmlns:r="http://schemas.openxmlformats.org/officeDocument/2006/relationships" xmlns:p="http://schemas.openxmlformats.org/presentationml/2006/main">
+  <p:cSld>
+    <p:spTree>
+      <p:nvGrpSpPr>
+        <p:cNvPr id="1" name=""/>
+        <p:cNvGrpSpPr/>
+        <p:nvPr/>
+      </p:nvGrpSpPr>
+      <p:grpSpPr>
+        <a:xfrm>
+          <a:off x="0" y="0"/>
+          <a:ext cx="0" cy="0"/>
+          <a:chOff x="0" y="0"/>
+          <a:chExt cx="0" cy="0"/>
+        </a:xfrm>
+      </p:grpSpPr>
+      <p:sp>
+        <p:nvSpPr>
+          <p:cNvPr id="14" name="Oval 13"/>
           <p:cNvSpPr/>
           <p:nvPr/>
         </p:nvSpPr>
@@ -4119,7 +7162,38 @@
       </p:sp>
       <p:sp>
         <p:nvSpPr>
-          <p:cNvPr id="24" name="Oval 23"/>
+          <p:cNvPr id="2" name="Title 1"/>
+          <p:cNvSpPr>
+            <a:spLocks noGrp="1"/>
+          </p:cNvSpPr>
+          <p:nvPr>
+            <p:ph type="title"/>
+          </p:nvPr>
+        </p:nvSpPr>
+        <p:spPr/>
+        <p:txBody>
+          <a:bodyPr/>
+          <a:lstStyle/>
+          <a:p>
+            <a:r>
+              <a:rPr lang="en-US" altLang="ko-KR" dirty="0" smtClean="0">
+                <a:solidFill>
+                  <a:schemeClr val="bg1"/>
+                </a:solidFill>
+              </a:rPr>
+              <a:t>Enchant</a:t>
+            </a:r>
+            <a:endParaRPr lang="ko-KR" altLang="en-US" dirty="0">
+              <a:solidFill>
+                <a:schemeClr val="bg1"/>
+              </a:solidFill>
+            </a:endParaRPr>
+          </a:p>
+        </p:txBody>
+      </p:sp>
+      <p:sp>
+        <p:nvSpPr>
+          <p:cNvPr id="11" name="Oval 10"/>
           <p:cNvSpPr/>
           <p:nvPr/>
         </p:nvSpPr>
@@ -4169,7 +7243,7 @@
       </p:sp>
       <p:sp>
         <p:nvSpPr>
-          <p:cNvPr id="25" name="Oval 24"/>
+          <p:cNvPr id="12" name="Oval 11"/>
           <p:cNvSpPr/>
           <p:nvPr/>
         </p:nvSpPr>
@@ -4219,7 +7293,7 @@
       </p:sp>
       <p:sp>
         <p:nvSpPr>
-          <p:cNvPr id="26" name="Oval 25"/>
+          <p:cNvPr id="13" name="Oval 12"/>
           <p:cNvSpPr/>
           <p:nvPr/>
         </p:nvSpPr>
@@ -4269,7 +7343,7 @@
       </p:sp>
       <p:sp>
         <p:nvSpPr>
-          <p:cNvPr id="27" name="Oval 26"/>
+          <p:cNvPr id="15" name="Oval 14"/>
           <p:cNvSpPr/>
           <p:nvPr/>
         </p:nvSpPr>
@@ -4319,7 +7393,7 @@
       </p:sp>
       <p:sp>
         <p:nvSpPr>
-          <p:cNvPr id="28" name="Oval 27"/>
+          <p:cNvPr id="18" name="Oval 17"/>
           <p:cNvSpPr/>
           <p:nvPr/>
         </p:nvSpPr>
@@ -4369,7 +7443,7 @@
       </p:sp>
       <p:sp>
         <p:nvSpPr>
-          <p:cNvPr id="29" name="Oval 28"/>
+          <p:cNvPr id="21" name="Oval 20"/>
           <p:cNvSpPr/>
           <p:nvPr/>
         </p:nvSpPr>
@@ -4417,413 +7491,6 @@
           </a:p>
         </p:txBody>
       </p:sp>
-    </p:spTree>
-    <p:extLst>
-      <p:ext uri="{BB962C8B-B14F-4D97-AF65-F5344CB8AC3E}">
-        <p14:creationId xmlns:p14="http://schemas.microsoft.com/office/powerpoint/2010/main" val="3327992509"/>
-      </p:ext>
-    </p:extLst>
-  </p:cSld>
-  <p:clrMapOvr>
-    <a:masterClrMapping/>
-  </p:clrMapOvr>
-</p:sld>
-</file>
-
-<file path=ppt/slides/slide6.xml><?xml version="1.0" encoding="utf-8"?>
-<p:sld xmlns:a="http://schemas.openxmlformats.org/drawingml/2006/main" xmlns:r="http://schemas.openxmlformats.org/officeDocument/2006/relationships" xmlns:p="http://schemas.openxmlformats.org/presentationml/2006/main">
-  <p:cSld>
-    <p:spTree>
-      <p:nvGrpSpPr>
-        <p:cNvPr id="1" name=""/>
-        <p:cNvGrpSpPr/>
-        <p:nvPr/>
-      </p:nvGrpSpPr>
-      <p:grpSpPr>
-        <a:xfrm>
-          <a:off x="0" y="0"/>
-          <a:ext cx="0" cy="0"/>
-          <a:chOff x="0" y="0"/>
-          <a:chExt cx="0" cy="0"/>
-        </a:xfrm>
-      </p:grpSpPr>
-      <p:sp>
-        <p:nvSpPr>
-          <p:cNvPr id="14" name="Oval 13"/>
-          <p:cNvSpPr/>
-          <p:nvPr/>
-        </p:nvSpPr>
-        <p:spPr>
-          <a:xfrm>
-            <a:off x="3432562" y="1580837"/>
-            <a:ext cx="4518075" cy="4487069"/>
-          </a:xfrm>
-          <a:prstGeom prst="ellipse">
-            <a:avLst/>
-          </a:prstGeom>
-          <a:noFill/>
-          <a:ln>
-            <a:solidFill>
-              <a:schemeClr val="bg2"/>
-            </a:solidFill>
-          </a:ln>
-        </p:spPr>
-        <p:style>
-          <a:lnRef idx="2">
-            <a:schemeClr val="accent1">
-              <a:shade val="50000"/>
-            </a:schemeClr>
-          </a:lnRef>
-          <a:fillRef idx="1">
-            <a:schemeClr val="accent1"/>
-          </a:fillRef>
-          <a:effectRef idx="0">
-            <a:schemeClr val="accent1"/>
-          </a:effectRef>
-          <a:fontRef idx="minor">
-            <a:schemeClr val="lt1"/>
-          </a:fontRef>
-        </p:style>
-        <p:txBody>
-          <a:bodyPr rtlCol="0" anchor="ctr"/>
-          <a:lstStyle/>
-          <a:p>
-            <a:pPr algn="ctr"/>
-            <a:endParaRPr lang="ko-KR" altLang="en-US"/>
-          </a:p>
-        </p:txBody>
-      </p:sp>
-      <p:sp>
-        <p:nvSpPr>
-          <p:cNvPr id="2" name="Title 1"/>
-          <p:cNvSpPr>
-            <a:spLocks noGrp="1"/>
-          </p:cNvSpPr>
-          <p:nvPr>
-            <p:ph type="title"/>
-          </p:nvPr>
-        </p:nvSpPr>
-        <p:spPr/>
-        <p:txBody>
-          <a:bodyPr/>
-          <a:lstStyle/>
-          <a:p>
-            <a:r>
-              <a:rPr lang="en-US" altLang="ko-KR" dirty="0" smtClean="0">
-                <a:solidFill>
-                  <a:schemeClr val="bg1"/>
-                </a:solidFill>
-              </a:rPr>
-              <a:t>Enchant</a:t>
-            </a:r>
-            <a:endParaRPr lang="ko-KR" altLang="en-US" dirty="0">
-              <a:solidFill>
-                <a:schemeClr val="bg1"/>
-              </a:solidFill>
-            </a:endParaRPr>
-          </a:p>
-        </p:txBody>
-      </p:sp>
-      <p:sp>
-        <p:nvSpPr>
-          <p:cNvPr id="11" name="Oval 10"/>
-          <p:cNvSpPr/>
-          <p:nvPr/>
-        </p:nvSpPr>
-        <p:spPr>
-          <a:xfrm>
-            <a:off x="5331599" y="1220837"/>
-            <a:ext cx="720000" cy="720000"/>
-          </a:xfrm>
-          <a:prstGeom prst="ellipse">
-            <a:avLst/>
-          </a:prstGeom>
-          <a:solidFill>
-            <a:srgbClr val="FF0000"/>
-          </a:solidFill>
-          <a:ln>
-            <a:noFill/>
-          </a:ln>
-        </p:spPr>
-        <p:style>
-          <a:lnRef idx="2">
-            <a:schemeClr val="accent1">
-              <a:shade val="50000"/>
-            </a:schemeClr>
-          </a:lnRef>
-          <a:fillRef idx="1">
-            <a:schemeClr val="accent1"/>
-          </a:fillRef>
-          <a:effectRef idx="0">
-            <a:schemeClr val="accent1"/>
-          </a:effectRef>
-          <a:fontRef idx="minor">
-            <a:schemeClr val="lt1"/>
-          </a:fontRef>
-        </p:style>
-        <p:txBody>
-          <a:bodyPr rtlCol="0" anchor="ctr"/>
-          <a:lstStyle/>
-          <a:p>
-            <a:pPr algn="ctr"/>
-            <a:r>
-              <a:rPr lang="en-US" altLang="ko-KR" dirty="0" smtClean="0"/>
-              <a:t>RR</a:t>
-            </a:r>
-            <a:endParaRPr lang="ko-KR" altLang="en-US" dirty="0"/>
-          </a:p>
-        </p:txBody>
-      </p:sp>
-      <p:sp>
-        <p:nvSpPr>
-          <p:cNvPr id="12" name="Oval 11"/>
-          <p:cNvSpPr/>
-          <p:nvPr/>
-        </p:nvSpPr>
-        <p:spPr>
-          <a:xfrm>
-            <a:off x="7230637" y="4463663"/>
-            <a:ext cx="720000" cy="720000"/>
-          </a:xfrm>
-          <a:prstGeom prst="ellipse">
-            <a:avLst/>
-          </a:prstGeom>
-          <a:solidFill>
-            <a:srgbClr val="00B000"/>
-          </a:solidFill>
-          <a:ln>
-            <a:noFill/>
-          </a:ln>
-        </p:spPr>
-        <p:style>
-          <a:lnRef idx="2">
-            <a:schemeClr val="accent1">
-              <a:shade val="50000"/>
-            </a:schemeClr>
-          </a:lnRef>
-          <a:fillRef idx="1">
-            <a:schemeClr val="accent1"/>
-          </a:fillRef>
-          <a:effectRef idx="0">
-            <a:schemeClr val="accent1"/>
-          </a:effectRef>
-          <a:fontRef idx="minor">
-            <a:schemeClr val="lt1"/>
-          </a:fontRef>
-        </p:style>
-        <p:txBody>
-          <a:bodyPr rtlCol="0" anchor="ctr"/>
-          <a:lstStyle/>
-          <a:p>
-            <a:pPr algn="ctr"/>
-            <a:r>
-              <a:rPr lang="en-US" altLang="ko-KR" dirty="0" smtClean="0"/>
-              <a:t>GG</a:t>
-            </a:r>
-            <a:endParaRPr lang="ko-KR" altLang="en-US" dirty="0"/>
-          </a:p>
-        </p:txBody>
-      </p:sp>
-      <p:sp>
-        <p:nvSpPr>
-          <p:cNvPr id="13" name="Oval 12"/>
-          <p:cNvSpPr/>
-          <p:nvPr/>
-        </p:nvSpPr>
-        <p:spPr>
-          <a:xfrm>
-            <a:off x="3497625" y="4463663"/>
-            <a:ext cx="720000" cy="720000"/>
-          </a:xfrm>
-          <a:prstGeom prst="ellipse">
-            <a:avLst/>
-          </a:prstGeom>
-          <a:solidFill>
-            <a:srgbClr val="0066FF"/>
-          </a:solidFill>
-          <a:ln>
-            <a:noFill/>
-          </a:ln>
-        </p:spPr>
-        <p:style>
-          <a:lnRef idx="2">
-            <a:schemeClr val="accent1">
-              <a:shade val="50000"/>
-            </a:schemeClr>
-          </a:lnRef>
-          <a:fillRef idx="1">
-            <a:schemeClr val="accent1"/>
-          </a:fillRef>
-          <a:effectRef idx="0">
-            <a:schemeClr val="accent1"/>
-          </a:effectRef>
-          <a:fontRef idx="minor">
-            <a:schemeClr val="lt1"/>
-          </a:fontRef>
-        </p:style>
-        <p:txBody>
-          <a:bodyPr rtlCol="0" anchor="ctr"/>
-          <a:lstStyle/>
-          <a:p>
-            <a:pPr algn="ctr"/>
-            <a:r>
-              <a:rPr lang="en-US" altLang="ko-KR" dirty="0" smtClean="0"/>
-              <a:t>BB</a:t>
-            </a:r>
-            <a:endParaRPr lang="ko-KR" altLang="en-US" dirty="0"/>
-          </a:p>
-        </p:txBody>
-      </p:sp>
-      <p:sp>
-        <p:nvSpPr>
-          <p:cNvPr id="15" name="Oval 14"/>
-          <p:cNvSpPr/>
-          <p:nvPr/>
-        </p:nvSpPr>
-        <p:spPr>
-          <a:xfrm>
-            <a:off x="3497625" y="2264190"/>
-            <a:ext cx="720000" cy="720000"/>
-          </a:xfrm>
-          <a:prstGeom prst="ellipse">
-            <a:avLst/>
-          </a:prstGeom>
-          <a:solidFill>
-            <a:srgbClr val="B000B0"/>
-          </a:solidFill>
-          <a:ln>
-            <a:noFill/>
-          </a:ln>
-        </p:spPr>
-        <p:style>
-          <a:lnRef idx="2">
-            <a:schemeClr val="accent1">
-              <a:shade val="50000"/>
-            </a:schemeClr>
-          </a:lnRef>
-          <a:fillRef idx="1">
-            <a:schemeClr val="accent1"/>
-          </a:fillRef>
-          <a:effectRef idx="0">
-            <a:schemeClr val="accent1"/>
-          </a:effectRef>
-          <a:fontRef idx="minor">
-            <a:schemeClr val="lt1"/>
-          </a:fontRef>
-        </p:style>
-        <p:txBody>
-          <a:bodyPr rtlCol="0" anchor="ctr"/>
-          <a:lstStyle/>
-          <a:p>
-            <a:pPr algn="ctr"/>
-            <a:r>
-              <a:rPr lang="en-US" altLang="ko-KR" dirty="0" smtClean="0"/>
-              <a:t>RG</a:t>
-            </a:r>
-            <a:endParaRPr lang="ko-KR" altLang="en-US" dirty="0"/>
-          </a:p>
-        </p:txBody>
-      </p:sp>
-      <p:sp>
-        <p:nvSpPr>
-          <p:cNvPr id="18" name="Oval 17"/>
-          <p:cNvSpPr/>
-          <p:nvPr/>
-        </p:nvSpPr>
-        <p:spPr>
-          <a:xfrm>
-            <a:off x="5331599" y="5684758"/>
-            <a:ext cx="720000" cy="720000"/>
-          </a:xfrm>
-          <a:prstGeom prst="ellipse">
-            <a:avLst/>
-          </a:prstGeom>
-          <a:solidFill>
-            <a:srgbClr val="0E8C74"/>
-          </a:solidFill>
-          <a:ln>
-            <a:noFill/>
-          </a:ln>
-        </p:spPr>
-        <p:style>
-          <a:lnRef idx="2">
-            <a:schemeClr val="accent1">
-              <a:shade val="50000"/>
-            </a:schemeClr>
-          </a:lnRef>
-          <a:fillRef idx="1">
-            <a:schemeClr val="accent1"/>
-          </a:fillRef>
-          <a:effectRef idx="0">
-            <a:schemeClr val="accent1"/>
-          </a:effectRef>
-          <a:fontRef idx="minor">
-            <a:schemeClr val="lt1"/>
-          </a:fontRef>
-        </p:style>
-        <p:txBody>
-          <a:bodyPr rtlCol="0" anchor="ctr"/>
-          <a:lstStyle/>
-          <a:p>
-            <a:pPr algn="ctr"/>
-            <a:r>
-              <a:rPr lang="en-US" altLang="ko-KR" dirty="0" smtClean="0"/>
-              <a:t>BG</a:t>
-            </a:r>
-            <a:endParaRPr lang="ko-KR" altLang="en-US" dirty="0"/>
-          </a:p>
-        </p:txBody>
-      </p:sp>
-      <p:sp>
-        <p:nvSpPr>
-          <p:cNvPr id="21" name="Oval 20"/>
-          <p:cNvSpPr/>
-          <p:nvPr/>
-        </p:nvSpPr>
-        <p:spPr>
-          <a:xfrm>
-            <a:off x="7230637" y="2210265"/>
-            <a:ext cx="720000" cy="720000"/>
-          </a:xfrm>
-          <a:prstGeom prst="ellipse">
-            <a:avLst/>
-          </a:prstGeom>
-          <a:solidFill>
-            <a:srgbClr val="EBEB01"/>
-          </a:solidFill>
-          <a:ln>
-            <a:noFill/>
-          </a:ln>
-        </p:spPr>
-        <p:style>
-          <a:lnRef idx="2">
-            <a:schemeClr val="accent1">
-              <a:shade val="50000"/>
-            </a:schemeClr>
-          </a:lnRef>
-          <a:fillRef idx="1">
-            <a:schemeClr val="accent1"/>
-          </a:fillRef>
-          <a:effectRef idx="0">
-            <a:schemeClr val="accent1"/>
-          </a:effectRef>
-          <a:fontRef idx="minor">
-            <a:schemeClr val="lt1"/>
-          </a:fontRef>
-        </p:style>
-        <p:txBody>
-          <a:bodyPr rtlCol="0" anchor="ctr"/>
-          <a:lstStyle/>
-          <a:p>
-            <a:pPr algn="ctr"/>
-            <a:r>
-              <a:rPr lang="en-US" altLang="ko-KR" dirty="0" smtClean="0"/>
-              <a:t>GR</a:t>
-            </a:r>
-            <a:endParaRPr lang="ko-KR" altLang="en-US" dirty="0"/>
-          </a:p>
-        </p:txBody>
-      </p:sp>
       <p:sp>
         <p:nvSpPr>
           <p:cNvPr id="3" name="TextBox 2"/>
@@ -5064,280 +7731,6 @@
     <p:extLst>
       <p:ext uri="{BB962C8B-B14F-4D97-AF65-F5344CB8AC3E}">
         <p14:creationId xmlns:p14="http://schemas.microsoft.com/office/powerpoint/2010/main" val="236529981"/>
-      </p:ext>
-    </p:extLst>
-  </p:cSld>
-  <p:clrMapOvr>
-    <a:masterClrMapping/>
-  </p:clrMapOvr>
-</p:sld>
-</file>
-
-<file path=ppt/slides/slide7.xml><?xml version="1.0" encoding="utf-8"?>
-<p:sld xmlns:a="http://schemas.openxmlformats.org/drawingml/2006/main" xmlns:r="http://schemas.openxmlformats.org/officeDocument/2006/relationships" xmlns:p="http://schemas.openxmlformats.org/presentationml/2006/main">
-  <p:cSld>
-    <p:spTree>
-      <p:nvGrpSpPr>
-        <p:cNvPr id="1" name=""/>
-        <p:cNvGrpSpPr/>
-        <p:nvPr/>
-      </p:nvGrpSpPr>
-      <p:grpSpPr>
-        <a:xfrm>
-          <a:off x="0" y="0"/>
-          <a:ext cx="0" cy="0"/>
-          <a:chOff x="0" y="0"/>
-          <a:chExt cx="0" cy="0"/>
-        </a:xfrm>
-      </p:grpSpPr>
-      <p:sp>
-        <p:nvSpPr>
-          <p:cNvPr id="2" name="Title 1"/>
-          <p:cNvSpPr>
-            <a:spLocks noGrp="1"/>
-          </p:cNvSpPr>
-          <p:nvPr>
-            <p:ph type="title"/>
-          </p:nvPr>
-        </p:nvSpPr>
-        <p:spPr/>
-        <p:txBody>
-          <a:bodyPr/>
-          <a:lstStyle/>
-          <a:p>
-            <a:r>
-              <a:rPr lang="en-US" altLang="ko-KR" dirty="0" smtClean="0">
-                <a:solidFill>
-                  <a:schemeClr val="bg1"/>
-                </a:solidFill>
-              </a:rPr>
-              <a:t>Game System</a:t>
-            </a:r>
-            <a:endParaRPr lang="ko-KR" altLang="en-US" dirty="0">
-              <a:solidFill>
-                <a:schemeClr val="bg1"/>
-              </a:solidFill>
-            </a:endParaRPr>
-          </a:p>
-        </p:txBody>
-      </p:sp>
-      <p:sp>
-        <p:nvSpPr>
-          <p:cNvPr id="3" name="Content Placeholder 2"/>
-          <p:cNvSpPr>
-            <a:spLocks noGrp="1"/>
-          </p:cNvSpPr>
-          <p:nvPr>
-            <p:ph idx="1"/>
-          </p:nvPr>
-        </p:nvSpPr>
-        <p:spPr/>
-        <p:txBody>
-          <a:bodyPr/>
-          <a:lstStyle/>
-          <a:p>
-            <a:r>
-              <a:rPr lang="en-US" altLang="ko-KR" dirty="0" smtClean="0">
-                <a:solidFill>
-                  <a:schemeClr val="bg1"/>
-                </a:solidFill>
-              </a:rPr>
-              <a:t>Damage dealt = </a:t>
-            </a:r>
-            <a:r>
-              <a:rPr lang="en-US" altLang="ko-KR" dirty="0" err="1" smtClean="0">
-                <a:solidFill>
-                  <a:schemeClr val="bg1"/>
-                </a:solidFill>
-              </a:rPr>
-              <a:t>Atk</a:t>
-            </a:r>
-            <a:r>
-              <a:rPr lang="en-US" altLang="ko-KR" dirty="0" smtClean="0">
-                <a:solidFill>
-                  <a:schemeClr val="bg1"/>
-                </a:solidFill>
-              </a:rPr>
-              <a:t> – (Defense-Penetration)</a:t>
-            </a:r>
-          </a:p>
-          <a:p>
-            <a:pPr lvl="1"/>
-            <a:r>
-              <a:rPr lang="en-US" altLang="ko-KR" dirty="0" smtClean="0">
-                <a:solidFill>
-                  <a:schemeClr val="bg1"/>
-                </a:solidFill>
-              </a:rPr>
-              <a:t>Damage cannot be less then 1</a:t>
-            </a:r>
-          </a:p>
-          <a:p>
-            <a:pPr lvl="1"/>
-            <a:r>
-              <a:rPr lang="en-US" altLang="ko-KR" dirty="0" smtClean="0">
-                <a:solidFill>
-                  <a:schemeClr val="bg1"/>
-                </a:solidFill>
-              </a:rPr>
-              <a:t>Defense cannot be less then 0</a:t>
-            </a:r>
-          </a:p>
-          <a:p>
-            <a:pPr lvl="1"/>
-            <a:endParaRPr lang="en-US" altLang="ko-KR" dirty="0">
-              <a:solidFill>
-                <a:schemeClr val="bg1"/>
-              </a:solidFill>
-            </a:endParaRPr>
-          </a:p>
-          <a:p>
-            <a:endParaRPr lang="en-US" altLang="ko-KR" dirty="0">
-              <a:solidFill>
-                <a:schemeClr val="bg1"/>
-              </a:solidFill>
-            </a:endParaRPr>
-          </a:p>
-        </p:txBody>
-      </p:sp>
-    </p:spTree>
-    <p:extLst>
-      <p:ext uri="{BB962C8B-B14F-4D97-AF65-F5344CB8AC3E}">
-        <p14:creationId xmlns:p14="http://schemas.microsoft.com/office/powerpoint/2010/main" val="3669321361"/>
-      </p:ext>
-    </p:extLst>
-  </p:cSld>
-  <p:clrMapOvr>
-    <a:masterClrMapping/>
-  </p:clrMapOvr>
-</p:sld>
-</file>
-
-<file path=ppt/slides/slide8.xml><?xml version="1.0" encoding="utf-8"?>
-<p:sld xmlns:a="http://schemas.openxmlformats.org/drawingml/2006/main" xmlns:r="http://schemas.openxmlformats.org/officeDocument/2006/relationships" xmlns:p="http://schemas.openxmlformats.org/presentationml/2006/main">
-  <p:cSld>
-    <p:spTree>
-      <p:nvGrpSpPr>
-        <p:cNvPr id="1" name=""/>
-        <p:cNvGrpSpPr/>
-        <p:nvPr/>
-      </p:nvGrpSpPr>
-      <p:grpSpPr>
-        <a:xfrm>
-          <a:off x="0" y="0"/>
-          <a:ext cx="0" cy="0"/>
-          <a:chOff x="0" y="0"/>
-          <a:chExt cx="0" cy="0"/>
-        </a:xfrm>
-      </p:grpSpPr>
-      <p:sp>
-        <p:nvSpPr>
-          <p:cNvPr id="2" name="Title 1"/>
-          <p:cNvSpPr>
-            <a:spLocks noGrp="1"/>
-          </p:cNvSpPr>
-          <p:nvPr>
-            <p:ph type="title"/>
-          </p:nvPr>
-        </p:nvSpPr>
-        <p:spPr/>
-        <p:txBody>
-          <a:bodyPr/>
-          <a:lstStyle/>
-          <a:p>
-            <a:r>
-              <a:rPr lang="en-US" altLang="ko-KR" dirty="0" smtClean="0">
-                <a:solidFill>
-                  <a:schemeClr val="bg1"/>
-                </a:solidFill>
-              </a:rPr>
-              <a:t>Enemy</a:t>
-            </a:r>
-            <a:endParaRPr lang="ko-KR" altLang="en-US" dirty="0">
-              <a:solidFill>
-                <a:schemeClr val="bg1"/>
-              </a:solidFill>
-            </a:endParaRPr>
-          </a:p>
-        </p:txBody>
-      </p:sp>
-      <p:sp>
-        <p:nvSpPr>
-          <p:cNvPr id="3" name="Content Placeholder 2"/>
-          <p:cNvSpPr>
-            <a:spLocks noGrp="1"/>
-          </p:cNvSpPr>
-          <p:nvPr>
-            <p:ph idx="1"/>
-          </p:nvPr>
-        </p:nvSpPr>
-        <p:spPr/>
-        <p:txBody>
-          <a:bodyPr/>
-          <a:lstStyle/>
-          <a:p>
-            <a:r>
-              <a:rPr lang="en-US" altLang="ko-KR" dirty="0" smtClean="0">
-                <a:solidFill>
-                  <a:schemeClr val="bg1"/>
-                </a:solidFill>
-              </a:rPr>
-              <a:t>Stats</a:t>
-            </a:r>
-          </a:p>
-          <a:p>
-            <a:pPr lvl="1"/>
-            <a:r>
-              <a:rPr lang="en-US" altLang="ko-KR" dirty="0" smtClean="0">
-                <a:solidFill>
-                  <a:schemeClr val="bg1"/>
-                </a:solidFill>
-              </a:rPr>
-              <a:t>HP</a:t>
-            </a:r>
-          </a:p>
-          <a:p>
-            <a:pPr lvl="1"/>
-            <a:r>
-              <a:rPr lang="en-US" altLang="ko-KR" dirty="0" smtClean="0">
-                <a:solidFill>
-                  <a:schemeClr val="bg1"/>
-                </a:solidFill>
-              </a:rPr>
-              <a:t>Defense</a:t>
-            </a:r>
-          </a:p>
-          <a:p>
-            <a:pPr lvl="1"/>
-            <a:r>
-              <a:rPr lang="en-US" altLang="ko-KR" dirty="0" smtClean="0">
-                <a:solidFill>
-                  <a:schemeClr val="bg1"/>
-                </a:solidFill>
-              </a:rPr>
-              <a:t>Speed</a:t>
-            </a:r>
-          </a:p>
-          <a:p>
-            <a:endParaRPr lang="en-US" altLang="ko-KR" dirty="0">
-              <a:solidFill>
-                <a:schemeClr val="bg1"/>
-              </a:solidFill>
-            </a:endParaRPr>
-          </a:p>
-          <a:p>
-            <a:endParaRPr lang="en-US" altLang="ko-KR" dirty="0">
-              <a:solidFill>
-                <a:schemeClr val="bg1"/>
-              </a:solidFill>
-            </a:endParaRPr>
-          </a:p>
-        </p:txBody>
-      </p:sp>
-    </p:spTree>
-    <p:extLst>
-      <p:ext uri="{BB962C8B-B14F-4D97-AF65-F5344CB8AC3E}">
-        <p14:creationId xmlns:p14="http://schemas.microsoft.com/office/powerpoint/2010/main" val="3930730913"/>
       </p:ext>
     </p:extLst>
   </p:cSld>
